--- a/introR4AuditoryScience.pptx
+++ b/introR4AuditoryScience.pptx
@@ -5,26 +5,31 @@
     <p:sldMasterId id="2147483662" r:id="rId9"/>
   </p:sldMasterIdLst>
   <p:notesMasterIdLst>
-    <p:notesMasterId r:id="rId19"/>
+    <p:notesMasterId r:id="rId24"/>
   </p:notesMasterIdLst>
   <p:handoutMasterIdLst>
-    <p:handoutMasterId r:id="rId20"/>
+    <p:handoutMasterId r:id="rId25"/>
   </p:handoutMasterIdLst>
   <p:sldIdLst>
     <p:sldId id="260" r:id="rId10"/>
-    <p:sldId id="257" r:id="rId11"/>
-    <p:sldId id="261" r:id="rId12"/>
-    <p:sldId id="262" r:id="rId13"/>
-    <p:sldId id="266" r:id="rId14"/>
-    <p:sldId id="263" r:id="rId15"/>
-    <p:sldId id="264" r:id="rId16"/>
-    <p:sldId id="265" r:id="rId17"/>
-    <p:sldId id="267" r:id="rId18"/>
+    <p:sldId id="270" r:id="rId11"/>
+    <p:sldId id="257" r:id="rId12"/>
+    <p:sldId id="269" r:id="rId13"/>
+    <p:sldId id="271" r:id="rId14"/>
+    <p:sldId id="261" r:id="rId15"/>
+    <p:sldId id="262" r:id="rId16"/>
+    <p:sldId id="266" r:id="rId17"/>
+    <p:sldId id="268" r:id="rId18"/>
+    <p:sldId id="272" r:id="rId19"/>
+    <p:sldId id="263" r:id="rId20"/>
+    <p:sldId id="264" r:id="rId21"/>
+    <p:sldId id="273" r:id="rId22"/>
+    <p:sldId id="265" r:id="rId23"/>
   </p:sldIdLst>
   <p:sldSz cx="12190413" cy="6858000"/>
   <p:notesSz cx="6858000" cy="9144000"/>
   <p:custDataLst>
-    <p:tags r:id="rId21"/>
+    <p:tags r:id="rId26"/>
   </p:custDataLst>
   <p:defaultTextStyle>
     <a:defPPr>
@@ -9132,7 +9137,1292 @@
 </p:sld>
 </file>
 
+<file path=ppt/slides/slide10.xml><?xml version="1.0" encoding="utf-8"?>
+<p:sld xmlns:a="http://schemas.openxmlformats.org/drawingml/2006/main" xmlns:r="http://schemas.openxmlformats.org/officeDocument/2006/relationships" xmlns:p="http://schemas.openxmlformats.org/presentationml/2006/main">
+  <p:cSld>
+    <p:spTree>
+      <p:nvGrpSpPr>
+        <p:cNvPr id="1" name=""/>
+        <p:cNvGrpSpPr/>
+        <p:nvPr/>
+      </p:nvGrpSpPr>
+      <p:grpSpPr>
+        <a:xfrm>
+          <a:off x="0" y="0"/>
+          <a:ext cx="0" cy="0"/>
+          <a:chOff x="0" y="0"/>
+          <a:chExt cx="0" cy="0"/>
+        </a:xfrm>
+      </p:grpSpPr>
+      <p:sp>
+        <p:nvSpPr>
+          <p:cNvPr id="2" name="Title 1">
+            <a:extLst>
+              <a:ext uri="{FF2B5EF4-FFF2-40B4-BE49-F238E27FC236}">
+                <a16:creationId xmlns:a16="http://schemas.microsoft.com/office/drawing/2014/main" id="{23529989-74A1-4DB5-810B-73414AE7BCB9}"/>
+              </a:ext>
+            </a:extLst>
+          </p:cNvPr>
+          <p:cNvSpPr>
+            <a:spLocks noGrp="1"/>
+          </p:cNvSpPr>
+          <p:nvPr>
+            <p:ph type="title"/>
+          </p:nvPr>
+        </p:nvSpPr>
+        <p:spPr/>
+        <p:txBody>
+          <a:bodyPr/>
+          <a:lstStyle/>
+          <a:p>
+            <a:r>
+              <a:rPr lang="en-US" dirty="0"/>
+              <a:t>Install and load packages in R</a:t>
+            </a:r>
+            <a:endParaRPr lang="en-DK" dirty="0"/>
+          </a:p>
+        </p:txBody>
+      </p:sp>
+      <p:sp>
+        <p:nvSpPr>
+          <p:cNvPr id="4" name="Slide Number Placeholder 3">
+            <a:extLst>
+              <a:ext uri="{FF2B5EF4-FFF2-40B4-BE49-F238E27FC236}">
+                <a16:creationId xmlns:a16="http://schemas.microsoft.com/office/drawing/2014/main" id="{8F2D2B77-54CC-4024-BB07-EF0082351CE7}"/>
+              </a:ext>
+            </a:extLst>
+          </p:cNvPr>
+          <p:cNvSpPr>
+            <a:spLocks noGrp="1"/>
+          </p:cNvSpPr>
+          <p:nvPr>
+            <p:ph type="sldNum" sz="quarter" idx="11"/>
+          </p:nvPr>
+        </p:nvSpPr>
+        <p:spPr/>
+        <p:txBody>
+          <a:bodyPr/>
+          <a:lstStyle/>
+          <a:p>
+            <a:fld id="{103EA872-A674-449B-A120-B97244F8E91D}" type="slidenum">
+              <a:rPr lang="en-GB" smtClean="0"/>
+              <a:pPr/>
+              <a:t>10</a:t>
+            </a:fld>
+            <a:endParaRPr lang="en-GB" dirty="0"/>
+          </a:p>
+        </p:txBody>
+      </p:sp>
+      <p:pic>
+        <p:nvPicPr>
+          <p:cNvPr id="6" name="Picture 5">
+            <a:extLst>
+              <a:ext uri="{FF2B5EF4-FFF2-40B4-BE49-F238E27FC236}">
+                <a16:creationId xmlns:a16="http://schemas.microsoft.com/office/drawing/2014/main" id="{9A3222C2-2348-4660-8A6D-A594E7A3D187}"/>
+              </a:ext>
+            </a:extLst>
+          </p:cNvPr>
+          <p:cNvPicPr>
+            <a:picLocks noChangeAspect="1"/>
+          </p:cNvPicPr>
+          <p:nvPr/>
+        </p:nvPicPr>
+        <p:blipFill>
+          <a:blip r:embed="rId2"/>
+          <a:stretch>
+            <a:fillRect/>
+          </a:stretch>
+        </p:blipFill>
+        <p:spPr>
+          <a:xfrm>
+            <a:off x="1126654" y="1776090"/>
+            <a:ext cx="4032448" cy="1148127"/>
+          </a:xfrm>
+          <a:prstGeom prst="rect">
+            <a:avLst/>
+          </a:prstGeom>
+        </p:spPr>
+      </p:pic>
+    </p:spTree>
+    <p:extLst>
+      <p:ext uri="{BB962C8B-B14F-4D97-AF65-F5344CB8AC3E}">
+        <p14:creationId xmlns:p14="http://schemas.microsoft.com/office/powerpoint/2010/main" val="3408060981"/>
+      </p:ext>
+    </p:extLst>
+  </p:cSld>
+  <p:clrMapOvr>
+    <a:masterClrMapping/>
+  </p:clrMapOvr>
+</p:sld>
+</file>
+
+<file path=ppt/slides/slide11.xml><?xml version="1.0" encoding="utf-8"?>
+<p:sld xmlns:a="http://schemas.openxmlformats.org/drawingml/2006/main" xmlns:r="http://schemas.openxmlformats.org/officeDocument/2006/relationships" xmlns:p="http://schemas.openxmlformats.org/presentationml/2006/main">
+  <p:cSld>
+    <p:spTree>
+      <p:nvGrpSpPr>
+        <p:cNvPr id="1" name=""/>
+        <p:cNvGrpSpPr/>
+        <p:nvPr/>
+      </p:nvGrpSpPr>
+      <p:grpSpPr>
+        <a:xfrm>
+          <a:off x="0" y="0"/>
+          <a:ext cx="0" cy="0"/>
+          <a:chOff x="0" y="0"/>
+          <a:chExt cx="0" cy="0"/>
+        </a:xfrm>
+      </p:grpSpPr>
+      <p:sp>
+        <p:nvSpPr>
+          <p:cNvPr id="2" name="Title 1">
+            <a:extLst>
+              <a:ext uri="{FF2B5EF4-FFF2-40B4-BE49-F238E27FC236}">
+                <a16:creationId xmlns:a16="http://schemas.microsoft.com/office/drawing/2014/main" id="{23529989-74A1-4DB5-810B-73414AE7BCB9}"/>
+              </a:ext>
+            </a:extLst>
+          </p:cNvPr>
+          <p:cNvSpPr>
+            <a:spLocks noGrp="1"/>
+          </p:cNvSpPr>
+          <p:nvPr>
+            <p:ph type="title"/>
+          </p:nvPr>
+        </p:nvSpPr>
+        <p:spPr/>
+        <p:txBody>
+          <a:bodyPr/>
+          <a:lstStyle/>
+          <a:p>
+            <a:r>
+              <a:rPr lang="en-US" dirty="0"/>
+              <a:t>Data import in R</a:t>
+            </a:r>
+            <a:endParaRPr lang="en-DK" dirty="0"/>
+          </a:p>
+        </p:txBody>
+      </p:sp>
+      <p:sp>
+        <p:nvSpPr>
+          <p:cNvPr id="4" name="Slide Number Placeholder 3">
+            <a:extLst>
+              <a:ext uri="{FF2B5EF4-FFF2-40B4-BE49-F238E27FC236}">
+                <a16:creationId xmlns:a16="http://schemas.microsoft.com/office/drawing/2014/main" id="{8F2D2B77-54CC-4024-BB07-EF0082351CE7}"/>
+              </a:ext>
+            </a:extLst>
+          </p:cNvPr>
+          <p:cNvSpPr>
+            <a:spLocks noGrp="1"/>
+          </p:cNvSpPr>
+          <p:nvPr>
+            <p:ph type="sldNum" sz="quarter" idx="11"/>
+          </p:nvPr>
+        </p:nvSpPr>
+        <p:spPr/>
+        <p:txBody>
+          <a:bodyPr/>
+          <a:lstStyle/>
+          <a:p>
+            <a:fld id="{103EA872-A674-449B-A120-B97244F8E91D}" type="slidenum">
+              <a:rPr lang="en-GB" smtClean="0"/>
+              <a:pPr/>
+              <a:t>11</a:t>
+            </a:fld>
+            <a:endParaRPr lang="en-GB" dirty="0"/>
+          </a:p>
+        </p:txBody>
+      </p:sp>
+      <p:pic>
+        <p:nvPicPr>
+          <p:cNvPr id="5" name="Picture 4">
+            <a:extLst>
+              <a:ext uri="{FF2B5EF4-FFF2-40B4-BE49-F238E27FC236}">
+                <a16:creationId xmlns:a16="http://schemas.microsoft.com/office/drawing/2014/main" id="{770F82FA-0217-4E4D-BCF9-1BE01EEE01D8}"/>
+              </a:ext>
+            </a:extLst>
+          </p:cNvPr>
+          <p:cNvPicPr>
+            <a:picLocks noChangeAspect="1"/>
+          </p:cNvPicPr>
+          <p:nvPr/>
+        </p:nvPicPr>
+        <p:blipFill rotWithShape="1">
+          <a:blip r:embed="rId2"/>
+          <a:srcRect b="61550"/>
+          <a:stretch/>
+        </p:blipFill>
+        <p:spPr>
+          <a:xfrm>
+            <a:off x="760212" y="1916832"/>
+            <a:ext cx="9926792" cy="2636912"/>
+          </a:xfrm>
+          <a:prstGeom prst="rect">
+            <a:avLst/>
+          </a:prstGeom>
+        </p:spPr>
+      </p:pic>
+      <p:pic>
+        <p:nvPicPr>
+          <p:cNvPr id="6" name="Picture 2" descr="Tidy Messy Data • tidyr">
+            <a:extLst>
+              <a:ext uri="{FF2B5EF4-FFF2-40B4-BE49-F238E27FC236}">
+                <a16:creationId xmlns:a16="http://schemas.microsoft.com/office/drawing/2014/main" id="{9718E251-4065-40E2-BD7A-7345C9774DDB}"/>
+              </a:ext>
+            </a:extLst>
+          </p:cNvPr>
+          <p:cNvPicPr>
+            <a:picLocks noChangeAspect="1" noChangeArrowheads="1"/>
+          </p:cNvPicPr>
+          <p:nvPr/>
+        </p:nvPicPr>
+        <p:blipFill>
+          <a:blip r:embed="rId3" cstate="print">
+            <a:extLst>
+              <a:ext uri="{28A0092B-C50C-407E-A947-70E740481C1C}">
+                <a14:useLocalDpi xmlns:a14="http://schemas.microsoft.com/office/drawing/2010/main" val="0"/>
+              </a:ext>
+            </a:extLst>
+          </a:blip>
+          <a:srcRect/>
+          <a:stretch>
+            <a:fillRect/>
+          </a:stretch>
+        </p:blipFill>
+        <p:spPr bwMode="auto">
+          <a:xfrm>
+            <a:off x="10513076" y="44624"/>
+            <a:ext cx="1677337" cy="1944216"/>
+          </a:xfrm>
+          <a:prstGeom prst="rect">
+            <a:avLst/>
+          </a:prstGeom>
+          <a:noFill/>
+          <a:extLst>
+            <a:ext uri="{909E8E84-426E-40DD-AFC4-6F175D3DCCD1}">
+              <a14:hiddenFill xmlns:a14="http://schemas.microsoft.com/office/drawing/2010/main">
+                <a:solidFill>
+                  <a:srgbClr val="FFFFFF"/>
+                </a:solidFill>
+              </a14:hiddenFill>
+            </a:ext>
+          </a:extLst>
+        </p:spPr>
+      </p:pic>
+    </p:spTree>
+    <p:extLst>
+      <p:ext uri="{BB962C8B-B14F-4D97-AF65-F5344CB8AC3E}">
+        <p14:creationId xmlns:p14="http://schemas.microsoft.com/office/powerpoint/2010/main" val="1490987065"/>
+      </p:ext>
+    </p:extLst>
+  </p:cSld>
+  <p:clrMapOvr>
+    <a:masterClrMapping/>
+  </p:clrMapOvr>
+</p:sld>
+</file>
+
+<file path=ppt/slides/slide12.xml><?xml version="1.0" encoding="utf-8"?>
+<p:sld xmlns:a="http://schemas.openxmlformats.org/drawingml/2006/main" xmlns:r="http://schemas.openxmlformats.org/officeDocument/2006/relationships" xmlns:p="http://schemas.openxmlformats.org/presentationml/2006/main">
+  <p:cSld>
+    <p:spTree>
+      <p:nvGrpSpPr>
+        <p:cNvPr id="1" name=""/>
+        <p:cNvGrpSpPr/>
+        <p:nvPr/>
+      </p:nvGrpSpPr>
+      <p:grpSpPr>
+        <a:xfrm>
+          <a:off x="0" y="0"/>
+          <a:ext cx="0" cy="0"/>
+          <a:chOff x="0" y="0"/>
+          <a:chExt cx="0" cy="0"/>
+        </a:xfrm>
+      </p:grpSpPr>
+      <p:sp>
+        <p:nvSpPr>
+          <p:cNvPr id="2" name="Title 1">
+            <a:extLst>
+              <a:ext uri="{FF2B5EF4-FFF2-40B4-BE49-F238E27FC236}">
+                <a16:creationId xmlns:a16="http://schemas.microsoft.com/office/drawing/2014/main" id="{E5E99378-F913-4750-9CD0-589280E9376C}"/>
+              </a:ext>
+            </a:extLst>
+          </p:cNvPr>
+          <p:cNvSpPr>
+            <a:spLocks noGrp="1"/>
+          </p:cNvSpPr>
+          <p:nvPr>
+            <p:ph type="title"/>
+          </p:nvPr>
+        </p:nvSpPr>
+        <p:spPr/>
+        <p:txBody>
+          <a:bodyPr/>
+          <a:lstStyle/>
+          <a:p>
+            <a:r>
+              <a:rPr lang="en-US" dirty="0"/>
+              <a:t>Data visualization</a:t>
+            </a:r>
+            <a:endParaRPr lang="en-DK" dirty="0"/>
+          </a:p>
+        </p:txBody>
+      </p:sp>
+      <p:sp>
+        <p:nvSpPr>
+          <p:cNvPr id="3" name="Content Placeholder 2">
+            <a:extLst>
+              <a:ext uri="{FF2B5EF4-FFF2-40B4-BE49-F238E27FC236}">
+                <a16:creationId xmlns:a16="http://schemas.microsoft.com/office/drawing/2014/main" id="{01323CE2-2D59-4759-A72E-2F7E0FDBAC6A}"/>
+              </a:ext>
+            </a:extLst>
+          </p:cNvPr>
+          <p:cNvSpPr>
+            <a:spLocks noGrp="1"/>
+          </p:cNvSpPr>
+          <p:nvPr>
+            <p:ph idx="1"/>
+          </p:nvPr>
+        </p:nvSpPr>
+        <p:spPr/>
+        <p:txBody>
+          <a:bodyPr/>
+          <a:lstStyle/>
+          <a:p>
+            <a:r>
+              <a:rPr lang="en-US" dirty="0">
+                <a:hlinkClick r:id="rId2"/>
+              </a:rPr>
+              <a:t>https://www.youtube.com/watch?v=h29g21z0a68</a:t>
+            </a:r>
+            <a:r>
+              <a:rPr lang="en-US" dirty="0"/>
+              <a:t> for a great workshop on ggplot2</a:t>
+            </a:r>
+          </a:p>
+          <a:p>
+            <a:endParaRPr lang="en-US" dirty="0"/>
+          </a:p>
+          <a:p>
+            <a:r>
+              <a:rPr lang="en-US" dirty="0">
+                <a:hlinkClick r:id="rId3"/>
+              </a:rPr>
+              <a:t>https://github.com/rstudio/cheatsheets/blob/master/data-visualization-2.1.pdf</a:t>
+            </a:r>
+            <a:endParaRPr lang="en-DK" dirty="0"/>
+          </a:p>
+        </p:txBody>
+      </p:sp>
+      <p:sp>
+        <p:nvSpPr>
+          <p:cNvPr id="4" name="Slide Number Placeholder 3">
+            <a:extLst>
+              <a:ext uri="{FF2B5EF4-FFF2-40B4-BE49-F238E27FC236}">
+                <a16:creationId xmlns:a16="http://schemas.microsoft.com/office/drawing/2014/main" id="{117C8B85-7A36-49B5-A66C-B4AA2A9592D4}"/>
+              </a:ext>
+            </a:extLst>
+          </p:cNvPr>
+          <p:cNvSpPr>
+            <a:spLocks noGrp="1"/>
+          </p:cNvSpPr>
+          <p:nvPr>
+            <p:ph type="sldNum" sz="quarter" idx="11"/>
+          </p:nvPr>
+        </p:nvSpPr>
+        <p:spPr/>
+        <p:txBody>
+          <a:bodyPr/>
+          <a:lstStyle/>
+          <a:p>
+            <a:fld id="{103EA872-A674-449B-A120-B97244F8E91D}" type="slidenum">
+              <a:rPr lang="en-GB" smtClean="0"/>
+              <a:pPr/>
+              <a:t>12</a:t>
+            </a:fld>
+            <a:endParaRPr lang="en-GB" dirty="0"/>
+          </a:p>
+        </p:txBody>
+      </p:sp>
+      <p:pic>
+        <p:nvPicPr>
+          <p:cNvPr id="2050" name="Picture 2" descr="Image result for ggplot2">
+            <a:extLst>
+              <a:ext uri="{FF2B5EF4-FFF2-40B4-BE49-F238E27FC236}">
+                <a16:creationId xmlns:a16="http://schemas.microsoft.com/office/drawing/2014/main" id="{A31E2A6F-1D97-4591-93B6-F7509F932177}"/>
+              </a:ext>
+            </a:extLst>
+          </p:cNvPr>
+          <p:cNvPicPr>
+            <a:picLocks noChangeAspect="1" noChangeArrowheads="1"/>
+          </p:cNvPicPr>
+          <p:nvPr/>
+        </p:nvPicPr>
+        <p:blipFill>
+          <a:blip r:embed="rId4">
+            <a:extLst>
+              <a:ext uri="{28A0092B-C50C-407E-A947-70E740481C1C}">
+                <a14:useLocalDpi xmlns:a14="http://schemas.microsoft.com/office/drawing/2010/main" val="0"/>
+              </a:ext>
+            </a:extLst>
+          </a:blip>
+          <a:srcRect/>
+          <a:stretch>
+            <a:fillRect/>
+          </a:stretch>
+        </p:blipFill>
+        <p:spPr bwMode="auto">
+          <a:xfrm>
+            <a:off x="10661798" y="116632"/>
+            <a:ext cx="1524000" cy="1771650"/>
+          </a:xfrm>
+          <a:prstGeom prst="rect">
+            <a:avLst/>
+          </a:prstGeom>
+          <a:noFill/>
+          <a:extLst>
+            <a:ext uri="{909E8E84-426E-40DD-AFC4-6F175D3DCCD1}">
+              <a14:hiddenFill xmlns:a14="http://schemas.microsoft.com/office/drawing/2010/main">
+                <a:solidFill>
+                  <a:srgbClr val="FFFFFF"/>
+                </a:solidFill>
+              </a14:hiddenFill>
+            </a:ext>
+          </a:extLst>
+        </p:spPr>
+      </p:pic>
+      <p:pic>
+        <p:nvPicPr>
+          <p:cNvPr id="6" name="Picture 5">
+            <a:extLst>
+              <a:ext uri="{FF2B5EF4-FFF2-40B4-BE49-F238E27FC236}">
+                <a16:creationId xmlns:a16="http://schemas.microsoft.com/office/drawing/2014/main" id="{B538269D-690A-4A61-B499-33987ADBCF36}"/>
+              </a:ext>
+            </a:extLst>
+          </p:cNvPr>
+          <p:cNvPicPr>
+            <a:picLocks noChangeAspect="1"/>
+          </p:cNvPicPr>
+          <p:nvPr/>
+        </p:nvPicPr>
+        <p:blipFill>
+          <a:blip r:embed="rId5"/>
+          <a:stretch>
+            <a:fillRect/>
+          </a:stretch>
+        </p:blipFill>
+        <p:spPr>
+          <a:xfrm>
+            <a:off x="1198662" y="2348880"/>
+            <a:ext cx="4714038" cy="3980294"/>
+          </a:xfrm>
+          <a:prstGeom prst="rect">
+            <a:avLst/>
+          </a:prstGeom>
+        </p:spPr>
+      </p:pic>
+    </p:spTree>
+    <p:extLst>
+      <p:ext uri="{BB962C8B-B14F-4D97-AF65-F5344CB8AC3E}">
+        <p14:creationId xmlns:p14="http://schemas.microsoft.com/office/powerpoint/2010/main" val="375032909"/>
+      </p:ext>
+    </p:extLst>
+  </p:cSld>
+  <p:clrMapOvr>
+    <a:masterClrMapping/>
+  </p:clrMapOvr>
+</p:sld>
+</file>
+
+<file path=ppt/slides/slide13.xml><?xml version="1.0" encoding="utf-8"?>
+<p:sld xmlns:a="http://schemas.openxmlformats.org/drawingml/2006/main" xmlns:r="http://schemas.openxmlformats.org/officeDocument/2006/relationships" xmlns:p="http://schemas.openxmlformats.org/presentationml/2006/main">
+  <p:cSld>
+    <p:spTree>
+      <p:nvGrpSpPr>
+        <p:cNvPr id="1" name=""/>
+        <p:cNvGrpSpPr/>
+        <p:nvPr/>
+      </p:nvGrpSpPr>
+      <p:grpSpPr>
+        <a:xfrm>
+          <a:off x="0" y="0"/>
+          <a:ext cx="0" cy="0"/>
+          <a:chOff x="0" y="0"/>
+          <a:chExt cx="0" cy="0"/>
+        </a:xfrm>
+      </p:grpSpPr>
+      <p:sp>
+        <p:nvSpPr>
+          <p:cNvPr id="2" name="Title 1">
+            <a:extLst>
+              <a:ext uri="{FF2B5EF4-FFF2-40B4-BE49-F238E27FC236}">
+                <a16:creationId xmlns:a16="http://schemas.microsoft.com/office/drawing/2014/main" id="{E5E99378-F913-4750-9CD0-589280E9376C}"/>
+              </a:ext>
+            </a:extLst>
+          </p:cNvPr>
+          <p:cNvSpPr>
+            <a:spLocks noGrp="1"/>
+          </p:cNvSpPr>
+          <p:nvPr>
+            <p:ph type="title"/>
+          </p:nvPr>
+        </p:nvSpPr>
+        <p:spPr/>
+        <p:txBody>
+          <a:bodyPr/>
+          <a:lstStyle/>
+          <a:p>
+            <a:r>
+              <a:rPr lang="en-US" dirty="0"/>
+              <a:t>Data visualization</a:t>
+            </a:r>
+            <a:endParaRPr lang="en-DK" dirty="0"/>
+          </a:p>
+        </p:txBody>
+      </p:sp>
+      <p:sp>
+        <p:nvSpPr>
+          <p:cNvPr id="4" name="Slide Number Placeholder 3">
+            <a:extLst>
+              <a:ext uri="{FF2B5EF4-FFF2-40B4-BE49-F238E27FC236}">
+                <a16:creationId xmlns:a16="http://schemas.microsoft.com/office/drawing/2014/main" id="{117C8B85-7A36-49B5-A66C-B4AA2A9592D4}"/>
+              </a:ext>
+            </a:extLst>
+          </p:cNvPr>
+          <p:cNvSpPr>
+            <a:spLocks noGrp="1"/>
+          </p:cNvSpPr>
+          <p:nvPr>
+            <p:ph type="sldNum" sz="quarter" idx="11"/>
+          </p:nvPr>
+        </p:nvSpPr>
+        <p:spPr/>
+        <p:txBody>
+          <a:bodyPr/>
+          <a:lstStyle/>
+          <a:p>
+            <a:fld id="{103EA872-A674-449B-A120-B97244F8E91D}" type="slidenum">
+              <a:rPr lang="en-GB" smtClean="0"/>
+              <a:pPr/>
+              <a:t>13</a:t>
+            </a:fld>
+            <a:endParaRPr lang="en-GB" dirty="0"/>
+          </a:p>
+        </p:txBody>
+      </p:sp>
+      <p:pic>
+        <p:nvPicPr>
+          <p:cNvPr id="2050" name="Picture 2" descr="Image result for ggplot2">
+            <a:extLst>
+              <a:ext uri="{FF2B5EF4-FFF2-40B4-BE49-F238E27FC236}">
+                <a16:creationId xmlns:a16="http://schemas.microsoft.com/office/drawing/2014/main" id="{A31E2A6F-1D97-4591-93B6-F7509F932177}"/>
+              </a:ext>
+            </a:extLst>
+          </p:cNvPr>
+          <p:cNvPicPr>
+            <a:picLocks noChangeAspect="1" noChangeArrowheads="1"/>
+          </p:cNvPicPr>
+          <p:nvPr/>
+        </p:nvPicPr>
+        <p:blipFill>
+          <a:blip r:embed="rId2">
+            <a:extLst>
+              <a:ext uri="{28A0092B-C50C-407E-A947-70E740481C1C}">
+                <a14:useLocalDpi xmlns:a14="http://schemas.microsoft.com/office/drawing/2010/main" val="0"/>
+              </a:ext>
+            </a:extLst>
+          </a:blip>
+          <a:srcRect/>
+          <a:stretch>
+            <a:fillRect/>
+          </a:stretch>
+        </p:blipFill>
+        <p:spPr bwMode="auto">
+          <a:xfrm>
+            <a:off x="10661798" y="116632"/>
+            <a:ext cx="1524000" cy="1771650"/>
+          </a:xfrm>
+          <a:prstGeom prst="rect">
+            <a:avLst/>
+          </a:prstGeom>
+          <a:noFill/>
+          <a:extLst>
+            <a:ext uri="{909E8E84-426E-40DD-AFC4-6F175D3DCCD1}">
+              <a14:hiddenFill xmlns:a14="http://schemas.microsoft.com/office/drawing/2010/main">
+                <a:solidFill>
+                  <a:srgbClr val="FFFFFF"/>
+                </a:solidFill>
+              </a14:hiddenFill>
+            </a:ext>
+          </a:extLst>
+        </p:spPr>
+      </p:pic>
+      <p:pic>
+        <p:nvPicPr>
+          <p:cNvPr id="7" name="Picture 6">
+            <a:extLst>
+              <a:ext uri="{FF2B5EF4-FFF2-40B4-BE49-F238E27FC236}">
+                <a16:creationId xmlns:a16="http://schemas.microsoft.com/office/drawing/2014/main" id="{12D98B7F-F0A0-4C44-9595-7D036AF927FA}"/>
+              </a:ext>
+            </a:extLst>
+          </p:cNvPr>
+          <p:cNvPicPr>
+            <a:picLocks noChangeAspect="1"/>
+          </p:cNvPicPr>
+          <p:nvPr/>
+        </p:nvPicPr>
+        <p:blipFill>
+          <a:blip r:embed="rId3"/>
+          <a:stretch>
+            <a:fillRect/>
+          </a:stretch>
+        </p:blipFill>
+        <p:spPr>
+          <a:xfrm>
+            <a:off x="910630" y="1628800"/>
+            <a:ext cx="8306959" cy="2829320"/>
+          </a:xfrm>
+          <a:prstGeom prst="rect">
+            <a:avLst/>
+          </a:prstGeom>
+        </p:spPr>
+      </p:pic>
+    </p:spTree>
+    <p:extLst>
+      <p:ext uri="{BB962C8B-B14F-4D97-AF65-F5344CB8AC3E}">
+        <p14:creationId xmlns:p14="http://schemas.microsoft.com/office/powerpoint/2010/main" val="3170960393"/>
+      </p:ext>
+    </p:extLst>
+  </p:cSld>
+  <p:clrMapOvr>
+    <a:masterClrMapping/>
+  </p:clrMapOvr>
+</p:sld>
+</file>
+
+<file path=ppt/slides/slide14.xml><?xml version="1.0" encoding="utf-8"?>
+<p:sld xmlns:a="http://schemas.openxmlformats.org/drawingml/2006/main" xmlns:r="http://schemas.openxmlformats.org/officeDocument/2006/relationships" xmlns:p="http://schemas.openxmlformats.org/presentationml/2006/main">
+  <p:cSld>
+    <p:spTree>
+      <p:nvGrpSpPr>
+        <p:cNvPr id="1" name=""/>
+        <p:cNvGrpSpPr/>
+        <p:nvPr/>
+      </p:nvGrpSpPr>
+      <p:grpSpPr>
+        <a:xfrm>
+          <a:off x="0" y="0"/>
+          <a:ext cx="0" cy="0"/>
+          <a:chOff x="0" y="0"/>
+          <a:chExt cx="0" cy="0"/>
+        </a:xfrm>
+      </p:grpSpPr>
+      <p:sp>
+        <p:nvSpPr>
+          <p:cNvPr id="2" name="Title 1">
+            <a:extLst>
+              <a:ext uri="{FF2B5EF4-FFF2-40B4-BE49-F238E27FC236}">
+                <a16:creationId xmlns:a16="http://schemas.microsoft.com/office/drawing/2014/main" id="{17E87264-F326-4898-A458-2F627E7920E7}"/>
+              </a:ext>
+            </a:extLst>
+          </p:cNvPr>
+          <p:cNvSpPr>
+            <a:spLocks noGrp="1"/>
+          </p:cNvSpPr>
+          <p:nvPr>
+            <p:ph type="title"/>
+          </p:nvPr>
+        </p:nvSpPr>
+        <p:spPr/>
+        <p:txBody>
+          <a:bodyPr/>
+          <a:lstStyle/>
+          <a:p>
+            <a:r>
+              <a:rPr lang="en-US" dirty="0"/>
+              <a:t>Statistical Analysis</a:t>
+            </a:r>
+            <a:endParaRPr lang="en-DK" dirty="0"/>
+          </a:p>
+        </p:txBody>
+      </p:sp>
+      <p:sp>
+        <p:nvSpPr>
+          <p:cNvPr id="3" name="Content Placeholder 2">
+            <a:extLst>
+              <a:ext uri="{FF2B5EF4-FFF2-40B4-BE49-F238E27FC236}">
+                <a16:creationId xmlns:a16="http://schemas.microsoft.com/office/drawing/2014/main" id="{C42DE770-3063-476D-8CBC-DC0CE1FA6E92}"/>
+              </a:ext>
+            </a:extLst>
+          </p:cNvPr>
+          <p:cNvSpPr>
+            <a:spLocks noGrp="1"/>
+          </p:cNvSpPr>
+          <p:nvPr>
+            <p:ph idx="1"/>
+          </p:nvPr>
+        </p:nvSpPr>
+        <p:spPr>
+          <a:xfrm>
+            <a:off x="910630" y="1340768"/>
+            <a:ext cx="10513168" cy="1296144"/>
+          </a:xfrm>
+        </p:spPr>
+        <p:txBody>
+          <a:bodyPr/>
+          <a:lstStyle/>
+          <a:p>
+            <a:r>
+              <a:rPr lang="en-US" dirty="0"/>
+              <a:t>Fitting a linear mixed model to the data</a:t>
+            </a:r>
+          </a:p>
+          <a:p>
+            <a:endParaRPr lang="en-US" dirty="0"/>
+          </a:p>
+          <a:p>
+            <a:r>
+              <a:rPr lang="en-US" dirty="0"/>
+              <a:t>Removing factors/interactions from the model</a:t>
+            </a:r>
+          </a:p>
+          <a:p>
+            <a:endParaRPr lang="en-US" dirty="0"/>
+          </a:p>
+          <a:p>
+            <a:r>
+              <a:rPr lang="en-US" dirty="0"/>
+              <a:t>Post-hoc analysis</a:t>
+            </a:r>
+            <a:endParaRPr lang="en-DK" dirty="0"/>
+          </a:p>
+        </p:txBody>
+      </p:sp>
+      <p:sp>
+        <p:nvSpPr>
+          <p:cNvPr id="4" name="Slide Number Placeholder 3">
+            <a:extLst>
+              <a:ext uri="{FF2B5EF4-FFF2-40B4-BE49-F238E27FC236}">
+                <a16:creationId xmlns:a16="http://schemas.microsoft.com/office/drawing/2014/main" id="{6E73E9AF-F5C1-437E-A278-B08769EB4EB0}"/>
+              </a:ext>
+            </a:extLst>
+          </p:cNvPr>
+          <p:cNvSpPr>
+            <a:spLocks noGrp="1"/>
+          </p:cNvSpPr>
+          <p:nvPr>
+            <p:ph type="sldNum" sz="quarter" idx="11"/>
+          </p:nvPr>
+        </p:nvSpPr>
+        <p:spPr/>
+        <p:txBody>
+          <a:bodyPr/>
+          <a:lstStyle/>
+          <a:p>
+            <a:fld id="{103EA872-A674-449B-A120-B97244F8E91D}" type="slidenum">
+              <a:rPr lang="en-GB" smtClean="0"/>
+              <a:pPr/>
+              <a:t>14</a:t>
+            </a:fld>
+            <a:endParaRPr lang="en-GB" dirty="0"/>
+          </a:p>
+        </p:txBody>
+      </p:sp>
+      <p:pic>
+        <p:nvPicPr>
+          <p:cNvPr id="4098" name="Picture 2" descr="DTU Compute">
+            <a:extLst>
+              <a:ext uri="{FF2B5EF4-FFF2-40B4-BE49-F238E27FC236}">
+                <a16:creationId xmlns:a16="http://schemas.microsoft.com/office/drawing/2014/main" id="{8EA3F0B2-8A8D-48DB-90C5-3517B161EC9B}"/>
+              </a:ext>
+            </a:extLst>
+          </p:cNvPr>
+          <p:cNvPicPr>
+            <a:picLocks noChangeAspect="1" noChangeArrowheads="1"/>
+          </p:cNvPicPr>
+          <p:nvPr/>
+        </p:nvPicPr>
+        <p:blipFill>
+          <a:blip r:embed="rId2">
+            <a:extLst>
+              <a:ext uri="{28A0092B-C50C-407E-A947-70E740481C1C}">
+                <a14:useLocalDpi xmlns:a14="http://schemas.microsoft.com/office/drawing/2010/main" val="0"/>
+              </a:ext>
+            </a:extLst>
+          </a:blip>
+          <a:srcRect/>
+          <a:stretch>
+            <a:fillRect/>
+          </a:stretch>
+        </p:blipFill>
+        <p:spPr bwMode="auto">
+          <a:xfrm>
+            <a:off x="8687494" y="288454"/>
+            <a:ext cx="3810000" cy="952500"/>
+          </a:xfrm>
+          <a:prstGeom prst="rect">
+            <a:avLst/>
+          </a:prstGeom>
+          <a:noFill/>
+          <a:extLst>
+            <a:ext uri="{909E8E84-426E-40DD-AFC4-6F175D3DCCD1}">
+              <a14:hiddenFill xmlns:a14="http://schemas.microsoft.com/office/drawing/2010/main">
+                <a:solidFill>
+                  <a:srgbClr val="FFFFFF"/>
+                </a:solidFill>
+              </a14:hiddenFill>
+            </a:ext>
+          </a:extLst>
+        </p:spPr>
+      </p:pic>
+      <p:pic>
+        <p:nvPicPr>
+          <p:cNvPr id="6" name="Picture 5">
+            <a:extLst>
+              <a:ext uri="{FF2B5EF4-FFF2-40B4-BE49-F238E27FC236}">
+                <a16:creationId xmlns:a16="http://schemas.microsoft.com/office/drawing/2014/main" id="{8AA976F2-C223-4EAD-BC1C-3C76A5C03940}"/>
+              </a:ext>
+            </a:extLst>
+          </p:cNvPr>
+          <p:cNvPicPr>
+            <a:picLocks noChangeAspect="1"/>
+          </p:cNvPicPr>
+          <p:nvPr/>
+        </p:nvPicPr>
+        <p:blipFill>
+          <a:blip r:embed="rId3"/>
+          <a:stretch>
+            <a:fillRect/>
+          </a:stretch>
+        </p:blipFill>
+        <p:spPr>
+          <a:xfrm>
+            <a:off x="1054646" y="3429000"/>
+            <a:ext cx="7497430" cy="2304256"/>
+          </a:xfrm>
+          <a:prstGeom prst="rect">
+            <a:avLst/>
+          </a:prstGeom>
+        </p:spPr>
+      </p:pic>
+    </p:spTree>
+    <p:extLst>
+      <p:ext uri="{BB962C8B-B14F-4D97-AF65-F5344CB8AC3E}">
+        <p14:creationId xmlns:p14="http://schemas.microsoft.com/office/powerpoint/2010/main" val="2492731575"/>
+      </p:ext>
+    </p:extLst>
+  </p:cSld>
+  <p:clrMapOvr>
+    <a:masterClrMapping/>
+  </p:clrMapOvr>
+</p:sld>
+</file>
+
 <file path=ppt/slides/slide2.xml><?xml version="1.0" encoding="utf-8"?>
+<p:sld xmlns:a="http://schemas.openxmlformats.org/drawingml/2006/main" xmlns:r="http://schemas.openxmlformats.org/officeDocument/2006/relationships" xmlns:p="http://schemas.openxmlformats.org/presentationml/2006/main">
+  <p:cSld>
+    <p:spTree>
+      <p:nvGrpSpPr>
+        <p:cNvPr id="1" name=""/>
+        <p:cNvGrpSpPr/>
+        <p:nvPr/>
+      </p:nvGrpSpPr>
+      <p:grpSpPr>
+        <a:xfrm>
+          <a:off x="0" y="0"/>
+          <a:ext cx="0" cy="0"/>
+          <a:chOff x="0" y="0"/>
+          <a:chExt cx="0" cy="0"/>
+        </a:xfrm>
+      </p:grpSpPr>
+      <p:sp>
+        <p:nvSpPr>
+          <p:cNvPr id="2" name="Title 1">
+            <a:extLst>
+              <a:ext uri="{FF2B5EF4-FFF2-40B4-BE49-F238E27FC236}">
+                <a16:creationId xmlns:a16="http://schemas.microsoft.com/office/drawing/2014/main" id="{2FA0E80B-FEFB-4EA9-B6DD-0DDC84062781}"/>
+              </a:ext>
+            </a:extLst>
+          </p:cNvPr>
+          <p:cNvSpPr>
+            <a:spLocks noGrp="1"/>
+          </p:cNvSpPr>
+          <p:nvPr>
+            <p:ph type="title"/>
+          </p:nvPr>
+        </p:nvSpPr>
+        <p:spPr/>
+        <p:txBody>
+          <a:bodyPr/>
+          <a:lstStyle/>
+          <a:p>
+            <a:r>
+              <a:rPr lang="en-US" dirty="0"/>
+              <a:t>Motivation</a:t>
+            </a:r>
+            <a:endParaRPr lang="en-DK" dirty="0"/>
+          </a:p>
+        </p:txBody>
+      </p:sp>
+      <p:sp>
+        <p:nvSpPr>
+          <p:cNvPr id="3" name="Content Placeholder 2">
+            <a:extLst>
+              <a:ext uri="{FF2B5EF4-FFF2-40B4-BE49-F238E27FC236}">
+                <a16:creationId xmlns:a16="http://schemas.microsoft.com/office/drawing/2014/main" id="{086D587F-1AC8-43FC-A21E-BDFB6CE90483}"/>
+              </a:ext>
+            </a:extLst>
+          </p:cNvPr>
+          <p:cNvSpPr>
+            <a:spLocks noGrp="1"/>
+          </p:cNvSpPr>
+          <p:nvPr>
+            <p:ph idx="1"/>
+          </p:nvPr>
+        </p:nvSpPr>
+        <p:spPr>
+          <a:xfrm>
+            <a:off x="910630" y="3717032"/>
+            <a:ext cx="10513168" cy="1872208"/>
+          </a:xfrm>
+        </p:spPr>
+        <p:txBody>
+          <a:bodyPr/>
+          <a:lstStyle/>
+          <a:p>
+            <a:r>
+              <a:rPr lang="en-US" dirty="0"/>
+              <a:t>MATLAB is great for psychoacoustics research! At least for data collection.</a:t>
+            </a:r>
+          </a:p>
+          <a:p>
+            <a:pPr marL="0" indent="0">
+              <a:buNone/>
+            </a:pPr>
+            <a:endParaRPr lang="en-US" dirty="0"/>
+          </a:p>
+          <a:p>
+            <a:r>
+              <a:rPr lang="en-US" dirty="0"/>
+              <a:t>Not ideal for data visualization</a:t>
+            </a:r>
+          </a:p>
+          <a:p>
+            <a:endParaRPr lang="en-US" dirty="0"/>
+          </a:p>
+          <a:p>
+            <a:r>
+              <a:rPr lang="en-US" dirty="0"/>
+              <a:t>Not ideal for statistical analysis</a:t>
+            </a:r>
+            <a:endParaRPr lang="en-DK" dirty="0"/>
+          </a:p>
+        </p:txBody>
+      </p:sp>
+      <p:sp>
+        <p:nvSpPr>
+          <p:cNvPr id="4" name="Slide Number Placeholder 3">
+            <a:extLst>
+              <a:ext uri="{FF2B5EF4-FFF2-40B4-BE49-F238E27FC236}">
+                <a16:creationId xmlns:a16="http://schemas.microsoft.com/office/drawing/2014/main" id="{5ED7DB78-0F0E-41DF-BC33-F3A0CF71532B}"/>
+              </a:ext>
+            </a:extLst>
+          </p:cNvPr>
+          <p:cNvSpPr>
+            <a:spLocks noGrp="1"/>
+          </p:cNvSpPr>
+          <p:nvPr>
+            <p:ph type="sldNum" sz="quarter" idx="11"/>
+          </p:nvPr>
+        </p:nvSpPr>
+        <p:spPr/>
+        <p:txBody>
+          <a:bodyPr/>
+          <a:lstStyle/>
+          <a:p>
+            <a:fld id="{103EA872-A674-449B-A120-B97244F8E91D}" type="slidenum">
+              <a:rPr lang="en-GB" smtClean="0"/>
+              <a:pPr/>
+              <a:t>2</a:t>
+            </a:fld>
+            <a:endParaRPr lang="en-GB" dirty="0"/>
+          </a:p>
+        </p:txBody>
+      </p:sp>
+      <p:grpSp>
+        <p:nvGrpSpPr>
+          <p:cNvPr id="7" name="Group 6">
+            <a:extLst>
+              <a:ext uri="{FF2B5EF4-FFF2-40B4-BE49-F238E27FC236}">
+                <a16:creationId xmlns:a16="http://schemas.microsoft.com/office/drawing/2014/main" id="{9633AC28-0340-4602-A19D-D933AE2D5AC6}"/>
+              </a:ext>
+            </a:extLst>
+          </p:cNvPr>
+          <p:cNvGrpSpPr/>
+          <p:nvPr/>
+        </p:nvGrpSpPr>
+        <p:grpSpPr>
+          <a:xfrm>
+            <a:off x="838622" y="1075828"/>
+            <a:ext cx="10136125" cy="2209156"/>
+            <a:chOff x="838622" y="908720"/>
+            <a:chExt cx="10136125" cy="2209156"/>
+          </a:xfrm>
+        </p:grpSpPr>
+        <p:pic>
+          <p:nvPicPr>
+            <p:cNvPr id="5" name="Picture 4">
+              <a:extLst>
+                <a:ext uri="{FF2B5EF4-FFF2-40B4-BE49-F238E27FC236}">
+                  <a16:creationId xmlns:a16="http://schemas.microsoft.com/office/drawing/2014/main" id="{AE72BFD1-2D14-445E-A483-409F29ADEE44}"/>
+                </a:ext>
+              </a:extLst>
+            </p:cNvPr>
+            <p:cNvPicPr>
+              <a:picLocks noChangeAspect="1"/>
+            </p:cNvPicPr>
+            <p:nvPr/>
+          </p:nvPicPr>
+          <p:blipFill>
+            <a:blip r:embed="rId2"/>
+            <a:stretch>
+              <a:fillRect/>
+            </a:stretch>
+          </p:blipFill>
+          <p:spPr>
+            <a:xfrm>
+              <a:off x="838622" y="908720"/>
+              <a:ext cx="10136125" cy="2209156"/>
+            </a:xfrm>
+            <a:prstGeom prst="rect">
+              <a:avLst/>
+            </a:prstGeom>
+          </p:spPr>
+        </p:pic>
+        <p:pic>
+          <p:nvPicPr>
+            <p:cNvPr id="6" name="Picture 5">
+              <a:extLst>
+                <a:ext uri="{FF2B5EF4-FFF2-40B4-BE49-F238E27FC236}">
+                  <a16:creationId xmlns:a16="http://schemas.microsoft.com/office/drawing/2014/main" id="{CAA09EC3-3BC6-45B3-87EB-482F49254F33}"/>
+                </a:ext>
+              </a:extLst>
+            </p:cNvPr>
+            <p:cNvPicPr>
+              <a:picLocks noChangeAspect="1"/>
+            </p:cNvPicPr>
+            <p:nvPr/>
+          </p:nvPicPr>
+          <p:blipFill>
+            <a:blip r:embed="rId3"/>
+            <a:stretch>
+              <a:fillRect/>
+            </a:stretch>
+          </p:blipFill>
+          <p:spPr>
+            <a:xfrm>
+              <a:off x="838622" y="908720"/>
+              <a:ext cx="1743318" cy="895475"/>
+            </a:xfrm>
+            <a:prstGeom prst="rect">
+              <a:avLst/>
+            </a:prstGeom>
+          </p:spPr>
+        </p:pic>
+      </p:grpSp>
+    </p:spTree>
+    <p:extLst>
+      <p:ext uri="{BB962C8B-B14F-4D97-AF65-F5344CB8AC3E}">
+        <p14:creationId xmlns:p14="http://schemas.microsoft.com/office/powerpoint/2010/main" val="3985123155"/>
+      </p:ext>
+    </p:extLst>
+  </p:cSld>
+  <p:clrMapOvr>
+    <a:masterClrMapping/>
+  </p:clrMapOvr>
+  <p:timing>
+    <p:tnLst>
+      <p:par>
+        <p:cTn id="1" dur="indefinite" restart="never" nodeType="tmRoot">
+          <p:childTnLst>
+            <p:seq concurrent="1" nextAc="seek">
+              <p:cTn id="2" dur="indefinite" nodeType="mainSeq">
+                <p:childTnLst>
+                  <p:par>
+                    <p:cTn id="3" fill="hold">
+                      <p:stCondLst>
+                        <p:cond delay="indefinite"/>
+                      </p:stCondLst>
+                      <p:childTnLst>
+                        <p:par>
+                          <p:cTn id="4" fill="hold">
+                            <p:stCondLst>
+                              <p:cond delay="0"/>
+                            </p:stCondLst>
+                            <p:childTnLst>
+                              <p:par>
+                                <p:cTn id="5" presetID="1" presetClass="entr" presetSubtype="0" fill="hold" grpId="0" nodeType="clickEffect">
+                                  <p:stCondLst>
+                                    <p:cond delay="0"/>
+                                  </p:stCondLst>
+                                  <p:childTnLst>
+                                    <p:set>
+                                      <p:cBhvr>
+                                        <p:cTn id="6" dur="1" fill="hold">
+                                          <p:stCondLst>
+                                            <p:cond delay="0"/>
+                                          </p:stCondLst>
+                                        </p:cTn>
+                                        <p:tgtEl>
+                                          <p:spTgt spid="3">
+                                            <p:txEl>
+                                              <p:pRg st="0" end="0"/>
+                                            </p:txEl>
+                                          </p:spTgt>
+                                        </p:tgtEl>
+                                        <p:attrNameLst>
+                                          <p:attrName>style.visibility</p:attrName>
+                                        </p:attrNameLst>
+                                      </p:cBhvr>
+                                      <p:to>
+                                        <p:strVal val="visible"/>
+                                      </p:to>
+                                    </p:set>
+                                  </p:childTnLst>
+                                </p:cTn>
+                              </p:par>
+                            </p:childTnLst>
+                          </p:cTn>
+                        </p:par>
+                      </p:childTnLst>
+                    </p:cTn>
+                  </p:par>
+                  <p:par>
+                    <p:cTn id="7" fill="hold">
+                      <p:stCondLst>
+                        <p:cond delay="indefinite"/>
+                      </p:stCondLst>
+                      <p:childTnLst>
+                        <p:par>
+                          <p:cTn id="8" fill="hold">
+                            <p:stCondLst>
+                              <p:cond delay="0"/>
+                            </p:stCondLst>
+                            <p:childTnLst>
+                              <p:par>
+                                <p:cTn id="9" presetID="1" presetClass="entr" presetSubtype="0" fill="hold" grpId="0" nodeType="clickEffect">
+                                  <p:stCondLst>
+                                    <p:cond delay="0"/>
+                                  </p:stCondLst>
+                                  <p:childTnLst>
+                                    <p:set>
+                                      <p:cBhvr>
+                                        <p:cTn id="10" dur="1" fill="hold">
+                                          <p:stCondLst>
+                                            <p:cond delay="0"/>
+                                          </p:stCondLst>
+                                        </p:cTn>
+                                        <p:tgtEl>
+                                          <p:spTgt spid="3">
+                                            <p:txEl>
+                                              <p:pRg st="2" end="2"/>
+                                            </p:txEl>
+                                          </p:spTgt>
+                                        </p:tgtEl>
+                                        <p:attrNameLst>
+                                          <p:attrName>style.visibility</p:attrName>
+                                        </p:attrNameLst>
+                                      </p:cBhvr>
+                                      <p:to>
+                                        <p:strVal val="visible"/>
+                                      </p:to>
+                                    </p:set>
+                                  </p:childTnLst>
+                                </p:cTn>
+                              </p:par>
+                            </p:childTnLst>
+                          </p:cTn>
+                        </p:par>
+                      </p:childTnLst>
+                    </p:cTn>
+                  </p:par>
+                  <p:par>
+                    <p:cTn id="11" fill="hold">
+                      <p:stCondLst>
+                        <p:cond delay="indefinite"/>
+                      </p:stCondLst>
+                      <p:childTnLst>
+                        <p:par>
+                          <p:cTn id="12" fill="hold">
+                            <p:stCondLst>
+                              <p:cond delay="0"/>
+                            </p:stCondLst>
+                            <p:childTnLst>
+                              <p:par>
+                                <p:cTn id="13" presetID="1" presetClass="entr" presetSubtype="0" fill="hold" grpId="0" nodeType="clickEffect">
+                                  <p:stCondLst>
+                                    <p:cond delay="0"/>
+                                  </p:stCondLst>
+                                  <p:childTnLst>
+                                    <p:set>
+                                      <p:cBhvr>
+                                        <p:cTn id="14" dur="1" fill="hold">
+                                          <p:stCondLst>
+                                            <p:cond delay="0"/>
+                                          </p:stCondLst>
+                                        </p:cTn>
+                                        <p:tgtEl>
+                                          <p:spTgt spid="3">
+                                            <p:txEl>
+                                              <p:pRg st="4" end="4"/>
+                                            </p:txEl>
+                                          </p:spTgt>
+                                        </p:tgtEl>
+                                        <p:attrNameLst>
+                                          <p:attrName>style.visibility</p:attrName>
+                                        </p:attrNameLst>
+                                      </p:cBhvr>
+                                      <p:to>
+                                        <p:strVal val="visible"/>
+                                      </p:to>
+                                    </p:set>
+                                  </p:childTnLst>
+                                </p:cTn>
+                              </p:par>
+                            </p:childTnLst>
+                          </p:cTn>
+                        </p:par>
+                      </p:childTnLst>
+                    </p:cTn>
+                  </p:par>
+                </p:childTnLst>
+              </p:cTn>
+              <p:prevCondLst>
+                <p:cond evt="onPrev" delay="0">
+                  <p:tgtEl>
+                    <p:sldTgt/>
+                  </p:tgtEl>
+                </p:cond>
+              </p:prevCondLst>
+              <p:nextCondLst>
+                <p:cond evt="onNext" delay="0">
+                  <p:tgtEl>
+                    <p:sldTgt/>
+                  </p:tgtEl>
+                </p:cond>
+              </p:nextCondLst>
+            </p:seq>
+          </p:childTnLst>
+        </p:cTn>
+      </p:par>
+    </p:tnLst>
+    <p:bldLst>
+      <p:bldP spid="3" grpId="0" build="p"/>
+    </p:bldLst>
+  </p:timing>
+</p:sld>
+</file>
+
+<file path=ppt/slides/slide3.xml><?xml version="1.0" encoding="utf-8"?>
 <p:sld xmlns:a="http://schemas.openxmlformats.org/drawingml/2006/main" xmlns:r="http://schemas.openxmlformats.org/officeDocument/2006/relationships" xmlns:p="http://schemas.openxmlformats.org/presentationml/2006/main">
   <p:cSld>
     <p:spTree>
@@ -9336,12 +10626,106 @@
             <a:fld id="{103EA872-A674-449B-A120-B97244F8E91D}" type="slidenum">
               <a:rPr lang="en-GB" smtClean="0"/>
               <a:pPr/>
-              <a:t>2</a:t>
+              <a:t>3</a:t>
             </a:fld>
             <a:endParaRPr lang="en-GB" dirty="0"/>
           </a:p>
         </p:txBody>
       </p:sp>
+      <p:pic>
+        <p:nvPicPr>
+          <p:cNvPr id="6146" name="Picture 2">
+            <a:extLst>
+              <a:ext uri="{FF2B5EF4-FFF2-40B4-BE49-F238E27FC236}">
+                <a16:creationId xmlns:a16="http://schemas.microsoft.com/office/drawing/2014/main" id="{D747040A-0E9D-42D5-84BB-26A8D55F4720}"/>
+              </a:ext>
+            </a:extLst>
+          </p:cNvPr>
+          <p:cNvPicPr>
+            <a:picLocks noChangeAspect="1" noChangeArrowheads="1"/>
+          </p:cNvPicPr>
+          <p:nvPr/>
+        </p:nvPicPr>
+        <p:blipFill>
+          <a:blip r:embed="rId4" cstate="print">
+            <a:extLst>
+              <a:ext uri="{28A0092B-C50C-407E-A947-70E740481C1C}">
+                <a14:useLocalDpi xmlns:a14="http://schemas.microsoft.com/office/drawing/2010/main" val="0"/>
+              </a:ext>
+            </a:extLst>
+          </a:blip>
+          <a:srcRect/>
+          <a:stretch>
+            <a:fillRect/>
+          </a:stretch>
+        </p:blipFill>
+        <p:spPr bwMode="auto">
+          <a:xfrm>
+            <a:off x="4006974" y="1484784"/>
+            <a:ext cx="801825" cy="720080"/>
+          </a:xfrm>
+          <a:prstGeom prst="rect">
+            <a:avLst/>
+          </a:prstGeom>
+          <a:noFill/>
+          <a:extLst>
+            <a:ext uri="{909E8E84-426E-40DD-AFC4-6F175D3DCCD1}">
+              <a14:hiddenFill xmlns:a14="http://schemas.microsoft.com/office/drawing/2010/main">
+                <a:solidFill>
+                  <a:srgbClr val="FFFFFF"/>
+                </a:solidFill>
+              </a14:hiddenFill>
+            </a:ext>
+          </a:extLst>
+        </p:spPr>
+      </p:pic>
+      <p:pic>
+        <p:nvPicPr>
+          <p:cNvPr id="6158" name="Picture 14">
+            <a:extLst>
+              <a:ext uri="{FF2B5EF4-FFF2-40B4-BE49-F238E27FC236}">
+                <a16:creationId xmlns:a16="http://schemas.microsoft.com/office/drawing/2014/main" id="{DC459049-9390-4A57-BC74-B27D5A87B94E}"/>
+              </a:ext>
+            </a:extLst>
+          </p:cNvPr>
+          <p:cNvPicPr>
+            <a:picLocks noChangeAspect="1" noChangeArrowheads="1"/>
+          </p:cNvPicPr>
+          <p:nvPr/>
+        </p:nvPicPr>
+        <p:blipFill>
+          <a:blip r:embed="rId5" cstate="print">
+            <a:extLst>
+              <a:ext uri="{28A0092B-C50C-407E-A947-70E740481C1C}">
+                <a14:useLocalDpi xmlns:a14="http://schemas.microsoft.com/office/drawing/2010/main" val="0"/>
+              </a:ext>
+            </a:extLst>
+          </a:blip>
+          <a:srcRect/>
+          <a:stretch>
+            <a:fillRect/>
+          </a:stretch>
+        </p:blipFill>
+        <p:spPr bwMode="auto">
+          <a:xfrm>
+            <a:off x="5375126" y="2708920"/>
+            <a:ext cx="1118501" cy="866684"/>
+          </a:xfrm>
+          <a:prstGeom prst="rect">
+            <a:avLst/>
+          </a:prstGeom>
+          <a:noFill/>
+          <a:extLst>
+            <a:ext uri="{909E8E84-426E-40DD-AFC4-6F175D3DCCD1}">
+              <a14:hiddenFill xmlns:a14="http://schemas.microsoft.com/office/drawing/2010/main">
+                <a:solidFill>
+                  <a:srgbClr val="FFFFFF"/>
+                </a:solidFill>
+              </a14:hiddenFill>
+            </a:ext>
+          </a:extLst>
+        </p:spPr>
+      </p:pic>
     </p:spTree>
     <p:custDataLst>
       <p:custData r:id="rId1"/>
@@ -9359,7 +10743,994 @@
 </p:sld>
 </file>
 
-<file path=ppt/slides/slide3.xml><?xml version="1.0" encoding="utf-8"?>
+<file path=ppt/slides/slide4.xml><?xml version="1.0" encoding="utf-8"?>
+<p:sld xmlns:a="http://schemas.openxmlformats.org/drawingml/2006/main" xmlns:r="http://schemas.openxmlformats.org/officeDocument/2006/relationships" xmlns:p="http://schemas.openxmlformats.org/presentationml/2006/main">
+  <p:cSld>
+    <p:spTree>
+      <p:nvGrpSpPr>
+        <p:cNvPr id="1" name=""/>
+        <p:cNvGrpSpPr/>
+        <p:nvPr/>
+      </p:nvGrpSpPr>
+      <p:grpSpPr>
+        <a:xfrm>
+          <a:off x="0" y="0"/>
+          <a:ext cx="0" cy="0"/>
+          <a:chOff x="0" y="0"/>
+          <a:chExt cx="0" cy="0"/>
+        </a:xfrm>
+      </p:grpSpPr>
+      <p:sp>
+        <p:nvSpPr>
+          <p:cNvPr id="2" name="Title 1">
+            <a:extLst>
+              <a:ext uri="{FF2B5EF4-FFF2-40B4-BE49-F238E27FC236}">
+                <a16:creationId xmlns:a16="http://schemas.microsoft.com/office/drawing/2014/main" id="{4AF6F88E-8E0E-406D-9DD3-4F58B1729AE0}"/>
+              </a:ext>
+            </a:extLst>
+          </p:cNvPr>
+          <p:cNvSpPr>
+            <a:spLocks noGrp="1"/>
+          </p:cNvSpPr>
+          <p:nvPr>
+            <p:ph type="title"/>
+          </p:nvPr>
+        </p:nvSpPr>
+        <p:spPr/>
+        <p:txBody>
+          <a:bodyPr/>
+          <a:lstStyle/>
+          <a:p>
+            <a:r>
+              <a:rPr lang="en-US" dirty="0"/>
+              <a:t>Tidy data</a:t>
+            </a:r>
+            <a:endParaRPr lang="en-DK" dirty="0"/>
+          </a:p>
+        </p:txBody>
+      </p:sp>
+      <p:sp>
+        <p:nvSpPr>
+          <p:cNvPr id="3" name="Content Placeholder 2">
+            <a:extLst>
+              <a:ext uri="{FF2B5EF4-FFF2-40B4-BE49-F238E27FC236}">
+                <a16:creationId xmlns:a16="http://schemas.microsoft.com/office/drawing/2014/main" id="{EDB3DE6C-2C9F-403D-8F68-AEC618315E98}"/>
+              </a:ext>
+            </a:extLst>
+          </p:cNvPr>
+          <p:cNvSpPr>
+            <a:spLocks noGrp="1"/>
+          </p:cNvSpPr>
+          <p:nvPr>
+            <p:ph idx="1"/>
+          </p:nvPr>
+        </p:nvSpPr>
+        <p:spPr>
+          <a:xfrm>
+            <a:off x="622598" y="1340768"/>
+            <a:ext cx="3096344" cy="4911210"/>
+          </a:xfrm>
+        </p:spPr>
+        <p:txBody>
+          <a:bodyPr/>
+          <a:lstStyle/>
+          <a:p>
+            <a:r>
+              <a:rPr lang="en-US" dirty="0"/>
+              <a:t>My MATLAB data looks generally like this:</a:t>
+            </a:r>
+          </a:p>
+          <a:p>
+            <a:endParaRPr lang="en-US" dirty="0"/>
+          </a:p>
+          <a:p>
+            <a:endParaRPr lang="en-US" dirty="0"/>
+          </a:p>
+          <a:p>
+            <a:endParaRPr lang="en-US" dirty="0"/>
+          </a:p>
+          <a:p>
+            <a:endParaRPr lang="en-US" dirty="0"/>
+          </a:p>
+          <a:p>
+            <a:endParaRPr lang="en-US" dirty="0"/>
+          </a:p>
+          <a:p>
+            <a:pPr marL="0" indent="0">
+              <a:buNone/>
+            </a:pPr>
+            <a:endParaRPr lang="en-US" dirty="0"/>
+          </a:p>
+          <a:p>
+            <a:pPr marL="0" indent="0">
+              <a:buNone/>
+            </a:pPr>
+            <a:r>
+              <a:rPr lang="en-US" sz="1200" dirty="0"/>
+              <a:t>      Subjects, Factor 1, Factor 2, Factor 3</a:t>
+            </a:r>
+          </a:p>
+          <a:p>
+            <a:pPr marL="0" indent="0">
+              <a:buNone/>
+            </a:pPr>
+            <a:endParaRPr lang="en-US" dirty="0"/>
+          </a:p>
+          <a:p>
+            <a:pPr marL="0" indent="0">
+              <a:buNone/>
+            </a:pPr>
+            <a:endParaRPr lang="en-US" dirty="0"/>
+          </a:p>
+          <a:p>
+            <a:pPr marL="0" indent="0">
+              <a:buNone/>
+            </a:pPr>
+            <a:r>
+              <a:rPr lang="en-US" dirty="0"/>
+              <a:t>Each dimension is a factor</a:t>
+            </a:r>
+            <a:endParaRPr lang="en-DK" dirty="0"/>
+          </a:p>
+        </p:txBody>
+      </p:sp>
+      <p:sp>
+        <p:nvSpPr>
+          <p:cNvPr id="4" name="Slide Number Placeholder 3">
+            <a:extLst>
+              <a:ext uri="{FF2B5EF4-FFF2-40B4-BE49-F238E27FC236}">
+                <a16:creationId xmlns:a16="http://schemas.microsoft.com/office/drawing/2014/main" id="{769CD0AA-96C9-4203-A556-A2A59B9CDCC5}"/>
+              </a:ext>
+            </a:extLst>
+          </p:cNvPr>
+          <p:cNvSpPr>
+            <a:spLocks noGrp="1"/>
+          </p:cNvSpPr>
+          <p:nvPr>
+            <p:ph type="sldNum" sz="quarter" idx="11"/>
+          </p:nvPr>
+        </p:nvSpPr>
+        <p:spPr/>
+        <p:txBody>
+          <a:bodyPr/>
+          <a:lstStyle/>
+          <a:p>
+            <a:fld id="{103EA872-A674-449B-A120-B97244F8E91D}" type="slidenum">
+              <a:rPr lang="en-GB" smtClean="0"/>
+              <a:pPr/>
+              <a:t>4</a:t>
+            </a:fld>
+            <a:endParaRPr lang="en-GB" dirty="0"/>
+          </a:p>
+        </p:txBody>
+      </p:sp>
+      <p:sp>
+        <p:nvSpPr>
+          <p:cNvPr id="7" name="Content Placeholder 2">
+            <a:extLst>
+              <a:ext uri="{FF2B5EF4-FFF2-40B4-BE49-F238E27FC236}">
+                <a16:creationId xmlns:a16="http://schemas.microsoft.com/office/drawing/2014/main" id="{E3F0F5D8-CD6F-4795-974B-A8903AEBF023}"/>
+              </a:ext>
+            </a:extLst>
+          </p:cNvPr>
+          <p:cNvSpPr txBox="1">
+            <a:spLocks/>
+          </p:cNvSpPr>
+          <p:nvPr/>
+        </p:nvSpPr>
+        <p:spPr bwMode="auto">
+          <a:xfrm>
+            <a:off x="4583038" y="1340768"/>
+            <a:ext cx="4284474" cy="576064"/>
+          </a:xfrm>
+          <a:prstGeom prst="rect">
+            <a:avLst/>
+          </a:prstGeom>
+          <a:noFill/>
+          <a:ln>
+            <a:noFill/>
+          </a:ln>
+          <a:extLst>
+            <a:ext uri="{909E8E84-426E-40DD-AFC4-6F175D3DCCD1}">
+              <a14:hiddenFill xmlns:a14="http://schemas.microsoft.com/office/drawing/2010/main">
+                <a:solidFill>
+                  <a:schemeClr val="accent1"/>
+                </a:solidFill>
+              </a14:hiddenFill>
+            </a:ext>
+            <a:ext uri="{91240B29-F687-4F45-9708-019B960494DF}">
+              <a14:hiddenLine xmlns:a14="http://schemas.microsoft.com/office/drawing/2010/main" w="9525">
+                <a:solidFill>
+                  <a:schemeClr val="tx1"/>
+                </a:solidFill>
+                <a:miter lim="800000"/>
+                <a:headEnd/>
+                <a:tailEnd/>
+              </a14:hiddenLine>
+            </a:ext>
+          </a:extLst>
+        </p:spPr>
+        <p:txBody>
+          <a:bodyPr vert="horz" wrap="square" lIns="0" tIns="0" rIns="0" bIns="0" numCol="1" anchor="t" anchorCtr="0" compatLnSpc="1">
+            <a:prstTxWarp prst="textNoShape">
+              <a:avLst/>
+            </a:prstTxWarp>
+          </a:bodyPr>
+          <a:lstStyle>
+            <a:lvl1pPr marL="198000" indent="-198000" algn="l" rtl="0" eaLnBrk="1" fontAlgn="base" hangingPunct="1">
+              <a:spcBef>
+                <a:spcPct val="20000"/>
+              </a:spcBef>
+              <a:spcAft>
+                <a:spcPct val="0"/>
+              </a:spcAft>
+              <a:buChar char="•"/>
+              <a:defRPr sz="1800">
+                <a:solidFill>
+                  <a:schemeClr val="tx1"/>
+                </a:solidFill>
+                <a:latin typeface="+mn-lt"/>
+                <a:ea typeface="+mn-ea"/>
+                <a:cs typeface="+mn-cs"/>
+              </a:defRPr>
+            </a:lvl1pPr>
+            <a:lvl2pPr marL="414000" indent="-198000" algn="l" rtl="0" eaLnBrk="1" fontAlgn="base" hangingPunct="1">
+              <a:spcBef>
+                <a:spcPct val="20000"/>
+              </a:spcBef>
+              <a:spcAft>
+                <a:spcPct val="0"/>
+              </a:spcAft>
+              <a:buChar char="–"/>
+              <a:defRPr sz="1800">
+                <a:solidFill>
+                  <a:schemeClr val="tx1"/>
+                </a:solidFill>
+                <a:latin typeface="+mn-lt"/>
+                <a:ea typeface="+mn-ea"/>
+              </a:defRPr>
+            </a:lvl2pPr>
+            <a:lvl3pPr marL="615600" indent="-198000" algn="l" rtl="0" eaLnBrk="1" fontAlgn="base" hangingPunct="1">
+              <a:spcBef>
+                <a:spcPct val="20000"/>
+              </a:spcBef>
+              <a:spcAft>
+                <a:spcPct val="0"/>
+              </a:spcAft>
+              <a:buChar char="•"/>
+              <a:defRPr sz="1800">
+                <a:solidFill>
+                  <a:schemeClr val="tx1"/>
+                </a:solidFill>
+                <a:latin typeface="+mn-lt"/>
+                <a:ea typeface="+mn-ea"/>
+              </a:defRPr>
+            </a:lvl3pPr>
+            <a:lvl4pPr marL="828000" indent="-198000" algn="l" rtl="0" eaLnBrk="1" fontAlgn="base" hangingPunct="1">
+              <a:spcBef>
+                <a:spcPct val="20000"/>
+              </a:spcBef>
+              <a:spcAft>
+                <a:spcPct val="0"/>
+              </a:spcAft>
+              <a:buChar char="–"/>
+              <a:defRPr sz="1800">
+                <a:solidFill>
+                  <a:schemeClr val="tx1"/>
+                </a:solidFill>
+                <a:latin typeface="+mn-lt"/>
+                <a:ea typeface="+mn-ea"/>
+              </a:defRPr>
+            </a:lvl4pPr>
+            <a:lvl5pPr marL="1026000" indent="-198000" algn="l" rtl="0" eaLnBrk="1" fontAlgn="base" hangingPunct="1">
+              <a:spcBef>
+                <a:spcPct val="20000"/>
+              </a:spcBef>
+              <a:spcAft>
+                <a:spcPct val="0"/>
+              </a:spcAft>
+              <a:buChar char="»"/>
+              <a:defRPr sz="1800">
+                <a:solidFill>
+                  <a:schemeClr val="tx1"/>
+                </a:solidFill>
+                <a:latin typeface="+mn-lt"/>
+                <a:ea typeface="+mn-ea"/>
+              </a:defRPr>
+            </a:lvl5pPr>
+            <a:lvl6pPr marL="1026000" indent="-198000" algn="l" rtl="0" eaLnBrk="1" fontAlgn="base" hangingPunct="1">
+              <a:spcBef>
+                <a:spcPct val="20000"/>
+              </a:spcBef>
+              <a:spcAft>
+                <a:spcPct val="0"/>
+              </a:spcAft>
+              <a:buChar char="»"/>
+              <a:defRPr sz="1800">
+                <a:solidFill>
+                  <a:schemeClr val="tx1"/>
+                </a:solidFill>
+                <a:latin typeface="+mn-lt"/>
+                <a:ea typeface="+mn-ea"/>
+              </a:defRPr>
+            </a:lvl6pPr>
+            <a:lvl7pPr marL="1026000" indent="-198000" algn="l" rtl="0" eaLnBrk="1" fontAlgn="base" hangingPunct="1">
+              <a:spcBef>
+                <a:spcPct val="20000"/>
+              </a:spcBef>
+              <a:spcAft>
+                <a:spcPct val="0"/>
+              </a:spcAft>
+              <a:buChar char="»"/>
+              <a:defRPr sz="1800">
+                <a:solidFill>
+                  <a:schemeClr val="tx1"/>
+                </a:solidFill>
+                <a:latin typeface="+mn-lt"/>
+                <a:ea typeface="+mn-ea"/>
+              </a:defRPr>
+            </a:lvl7pPr>
+            <a:lvl8pPr marL="1026000" indent="-198000" algn="l" rtl="0" eaLnBrk="1" fontAlgn="base" hangingPunct="1">
+              <a:spcBef>
+                <a:spcPct val="20000"/>
+              </a:spcBef>
+              <a:spcAft>
+                <a:spcPct val="0"/>
+              </a:spcAft>
+              <a:buChar char="»"/>
+              <a:defRPr sz="1800">
+                <a:solidFill>
+                  <a:schemeClr val="tx1"/>
+                </a:solidFill>
+                <a:latin typeface="+mn-lt"/>
+                <a:ea typeface="+mn-ea"/>
+              </a:defRPr>
+            </a:lvl8pPr>
+            <a:lvl9pPr marL="1026000" indent="-198000" algn="l" rtl="0" eaLnBrk="1" fontAlgn="base" hangingPunct="1">
+              <a:spcBef>
+                <a:spcPct val="20000"/>
+              </a:spcBef>
+              <a:spcAft>
+                <a:spcPct val="0"/>
+              </a:spcAft>
+              <a:buChar char="»"/>
+              <a:defRPr sz="1800">
+                <a:solidFill>
+                  <a:schemeClr val="tx1"/>
+                </a:solidFill>
+                <a:latin typeface="+mn-lt"/>
+                <a:ea typeface="+mn-ea"/>
+              </a:defRPr>
+            </a:lvl9pPr>
+          </a:lstStyle>
+          <a:p>
+            <a:r>
+              <a:rPr lang="en-US" kern="0" dirty="0"/>
+              <a:t>For R, the better way is to have it “tidy”</a:t>
+            </a:r>
+          </a:p>
+        </p:txBody>
+      </p:sp>
+      <p:pic>
+        <p:nvPicPr>
+          <p:cNvPr id="8" name="Picture 7">
+            <a:extLst>
+              <a:ext uri="{FF2B5EF4-FFF2-40B4-BE49-F238E27FC236}">
+                <a16:creationId xmlns:a16="http://schemas.microsoft.com/office/drawing/2014/main" id="{68AA9F08-25C2-49BA-9359-F235F67323EB}"/>
+              </a:ext>
+            </a:extLst>
+          </p:cNvPr>
+          <p:cNvPicPr>
+            <a:picLocks noChangeAspect="1"/>
+          </p:cNvPicPr>
+          <p:nvPr/>
+        </p:nvPicPr>
+        <p:blipFill>
+          <a:blip r:embed="rId2"/>
+          <a:stretch>
+            <a:fillRect/>
+          </a:stretch>
+        </p:blipFill>
+        <p:spPr>
+          <a:xfrm>
+            <a:off x="9119542" y="33171"/>
+            <a:ext cx="3024336" cy="3358384"/>
+          </a:xfrm>
+          <a:prstGeom prst="rect">
+            <a:avLst/>
+          </a:prstGeom>
+        </p:spPr>
+      </p:pic>
+      <p:pic>
+        <p:nvPicPr>
+          <p:cNvPr id="9" name="Picture 8">
+            <a:extLst>
+              <a:ext uri="{FF2B5EF4-FFF2-40B4-BE49-F238E27FC236}">
+                <a16:creationId xmlns:a16="http://schemas.microsoft.com/office/drawing/2014/main" id="{115B1D51-5D78-432C-8346-79EC4905F05A}"/>
+              </a:ext>
+            </a:extLst>
+          </p:cNvPr>
+          <p:cNvPicPr>
+            <a:picLocks noChangeAspect="1"/>
+          </p:cNvPicPr>
+          <p:nvPr/>
+        </p:nvPicPr>
+        <p:blipFill>
+          <a:blip r:embed="rId3"/>
+          <a:stretch>
+            <a:fillRect/>
+          </a:stretch>
+        </p:blipFill>
+        <p:spPr>
+          <a:xfrm>
+            <a:off x="760092" y="2656970"/>
+            <a:ext cx="2497237" cy="1224136"/>
+          </a:xfrm>
+          <a:prstGeom prst="rect">
+            <a:avLst/>
+          </a:prstGeom>
+        </p:spPr>
+      </p:pic>
+      <p:sp>
+        <p:nvSpPr>
+          <p:cNvPr id="11" name="TextBox 10">
+            <a:extLst>
+              <a:ext uri="{FF2B5EF4-FFF2-40B4-BE49-F238E27FC236}">
+                <a16:creationId xmlns:a16="http://schemas.microsoft.com/office/drawing/2014/main" id="{A29F55D3-DC70-4E2B-9D50-3A56FA860DB4}"/>
+              </a:ext>
+            </a:extLst>
+          </p:cNvPr>
+          <p:cNvSpPr txBox="1"/>
+          <p:nvPr/>
+        </p:nvSpPr>
+        <p:spPr>
+          <a:xfrm>
+            <a:off x="10058961" y="3356992"/>
+            <a:ext cx="1663789" cy="246221"/>
+          </a:xfrm>
+          <a:prstGeom prst="rect">
+            <a:avLst/>
+          </a:prstGeom>
+          <a:noFill/>
+        </p:spPr>
+        <p:txBody>
+          <a:bodyPr wrap="none" lIns="0" tIns="0" rIns="0" bIns="0" rtlCol="0">
+            <a:spAutoFit/>
+          </a:bodyPr>
+          <a:lstStyle/>
+          <a:p>
+            <a:pPr algn="l">
+              <a:spcBef>
+                <a:spcPts val="432"/>
+              </a:spcBef>
+            </a:pPr>
+            <a:r>
+              <a:rPr lang="en-US" dirty="0">
+                <a:latin typeface="+mn-lt"/>
+              </a:rPr>
+              <a:t>www.tidyverse.org</a:t>
+            </a:r>
+            <a:endParaRPr lang="en-DK" dirty="0" err="1">
+              <a:latin typeface="+mn-lt"/>
+            </a:endParaRPr>
+          </a:p>
+        </p:txBody>
+      </p:sp>
+      <p:pic>
+        <p:nvPicPr>
+          <p:cNvPr id="12" name="Picture 11">
+            <a:extLst>
+              <a:ext uri="{FF2B5EF4-FFF2-40B4-BE49-F238E27FC236}">
+                <a16:creationId xmlns:a16="http://schemas.microsoft.com/office/drawing/2014/main" id="{190E378A-B2F4-4A09-A481-13B729BB7170}"/>
+              </a:ext>
+            </a:extLst>
+          </p:cNvPr>
+          <p:cNvPicPr>
+            <a:picLocks noChangeAspect="1"/>
+          </p:cNvPicPr>
+          <p:nvPr/>
+        </p:nvPicPr>
+        <p:blipFill>
+          <a:blip r:embed="rId4"/>
+          <a:stretch>
+            <a:fillRect/>
+          </a:stretch>
+        </p:blipFill>
+        <p:spPr>
+          <a:xfrm>
+            <a:off x="760092" y="2204865"/>
+            <a:ext cx="2574653" cy="267662"/>
+          </a:xfrm>
+          <a:prstGeom prst="rect">
+            <a:avLst/>
+          </a:prstGeom>
+        </p:spPr>
+      </p:pic>
+      <p:grpSp>
+        <p:nvGrpSpPr>
+          <p:cNvPr id="14" name="Group 13">
+            <a:extLst>
+              <a:ext uri="{FF2B5EF4-FFF2-40B4-BE49-F238E27FC236}">
+                <a16:creationId xmlns:a16="http://schemas.microsoft.com/office/drawing/2014/main" id="{3612364F-AD05-428B-8099-532F7837860B}"/>
+              </a:ext>
+            </a:extLst>
+          </p:cNvPr>
+          <p:cNvGrpSpPr/>
+          <p:nvPr/>
+        </p:nvGrpSpPr>
+        <p:grpSpPr>
+          <a:xfrm>
+            <a:off x="4869338" y="2132856"/>
+            <a:ext cx="3711873" cy="2272364"/>
+            <a:chOff x="4869338" y="2132856"/>
+            <a:chExt cx="3711873" cy="2272364"/>
+          </a:xfrm>
+        </p:grpSpPr>
+        <p:pic>
+          <p:nvPicPr>
+            <p:cNvPr id="6" name="Picture 5">
+              <a:extLst>
+                <a:ext uri="{FF2B5EF4-FFF2-40B4-BE49-F238E27FC236}">
+                  <a16:creationId xmlns:a16="http://schemas.microsoft.com/office/drawing/2014/main" id="{1A608D61-8385-47BA-8208-9D8AFEF84836}"/>
+                </a:ext>
+              </a:extLst>
+            </p:cNvPr>
+            <p:cNvPicPr>
+              <a:picLocks noChangeAspect="1"/>
+            </p:cNvPicPr>
+            <p:nvPr/>
+          </p:nvPicPr>
+          <p:blipFill>
+            <a:blip r:embed="rId5"/>
+            <a:stretch>
+              <a:fillRect/>
+            </a:stretch>
+          </p:blipFill>
+          <p:spPr>
+            <a:xfrm>
+              <a:off x="4869338" y="2132856"/>
+              <a:ext cx="3711873" cy="2272364"/>
+            </a:xfrm>
+            <a:prstGeom prst="rect">
+              <a:avLst/>
+            </a:prstGeom>
+          </p:spPr>
+        </p:pic>
+        <p:sp>
+          <p:nvSpPr>
+            <p:cNvPr id="13" name="Rectangle 12">
+              <a:extLst>
+                <a:ext uri="{FF2B5EF4-FFF2-40B4-BE49-F238E27FC236}">
+                  <a16:creationId xmlns:a16="http://schemas.microsoft.com/office/drawing/2014/main" id="{95D63E6B-E1AE-499B-8BC1-4C086A84D56D}"/>
+                </a:ext>
+              </a:extLst>
+            </p:cNvPr>
+            <p:cNvSpPr/>
+            <p:nvPr/>
+          </p:nvSpPr>
+          <p:spPr bwMode="auto">
+            <a:xfrm>
+              <a:off x="8069472" y="2482712"/>
+              <a:ext cx="511739" cy="308401"/>
+            </a:xfrm>
+            <a:prstGeom prst="rect">
+              <a:avLst/>
+            </a:prstGeom>
+            <a:solidFill>
+              <a:schemeClr val="bg1"/>
+            </a:solidFill>
+            <a:ln w="9525" cap="flat" cmpd="sng" algn="ctr">
+              <a:solidFill>
+                <a:schemeClr val="bg1"/>
+              </a:solidFill>
+              <a:prstDash val="solid"/>
+              <a:miter lim="800000"/>
+              <a:headEnd type="none" w="med" len="med"/>
+              <a:tailEnd type="none" w="med" len="med"/>
+            </a:ln>
+            <a:effectLst/>
+          </p:spPr>
+          <p:txBody>
+            <a:bodyPr vert="horz" wrap="square" lIns="90000" tIns="46800" rIns="90000" bIns="46800" numCol="1" rtlCol="0" anchor="ctr" anchorCtr="0" compatLnSpc="1">
+              <a:prstTxWarp prst="textNoShape">
+                <a:avLst/>
+              </a:prstTxWarp>
+            </a:bodyPr>
+            <a:lstStyle/>
+            <a:p>
+              <a:pPr marL="0" marR="0" indent="0" algn="ctr" defTabSz="914400" rtl="0" eaLnBrk="1" fontAlgn="base" latinLnBrk="0" hangingPunct="1">
+                <a:lnSpc>
+                  <a:spcPct val="100000"/>
+                </a:lnSpc>
+                <a:spcBef>
+                  <a:spcPts val="432"/>
+                </a:spcBef>
+                <a:spcAft>
+                  <a:spcPct val="0"/>
+                </a:spcAft>
+                <a:buClrTx/>
+                <a:buSzTx/>
+                <a:buFontTx/>
+                <a:buNone/>
+                <a:tabLst/>
+              </a:pPr>
+              <a:endParaRPr kumimoji="0" lang="en-DK" sz="1600" b="0" i="0" u="none" strike="noStrike" cap="none" normalizeH="0" baseline="0" dirty="0" err="1">
+                <a:ln>
+                  <a:noFill/>
+                </a:ln>
+                <a:solidFill>
+                  <a:srgbClr val="FFFFFF"/>
+                </a:solidFill>
+                <a:effectLst/>
+                <a:latin typeface="+mn-lt"/>
+                <a:ea typeface="ＭＳ Ｐゴシック" pitchFamily="-80" charset="-128"/>
+              </a:endParaRPr>
+            </a:p>
+          </p:txBody>
+        </p:sp>
+      </p:grpSp>
+    </p:spTree>
+    <p:extLst>
+      <p:ext uri="{BB962C8B-B14F-4D97-AF65-F5344CB8AC3E}">
+        <p14:creationId xmlns:p14="http://schemas.microsoft.com/office/powerpoint/2010/main" val="2992652157"/>
+      </p:ext>
+    </p:extLst>
+  </p:cSld>
+  <p:clrMapOvr>
+    <a:masterClrMapping/>
+  </p:clrMapOvr>
+  <p:timing>
+    <p:tnLst>
+      <p:par>
+        <p:cTn id="1" dur="indefinite" restart="never" nodeType="tmRoot">
+          <p:childTnLst>
+            <p:seq concurrent="1" nextAc="seek">
+              <p:cTn id="2" dur="indefinite" nodeType="mainSeq">
+                <p:childTnLst>
+                  <p:par>
+                    <p:cTn id="3" fill="hold">
+                      <p:stCondLst>
+                        <p:cond delay="indefinite"/>
+                      </p:stCondLst>
+                      <p:childTnLst>
+                        <p:par>
+                          <p:cTn id="4" fill="hold">
+                            <p:stCondLst>
+                              <p:cond delay="0"/>
+                            </p:stCondLst>
+                            <p:childTnLst>
+                              <p:par>
+                                <p:cTn id="5" presetID="1" presetClass="entr" presetSubtype="0" fill="hold" grpId="0" nodeType="clickEffect">
+                                  <p:stCondLst>
+                                    <p:cond delay="0"/>
+                                  </p:stCondLst>
+                                  <p:childTnLst>
+                                    <p:set>
+                                      <p:cBhvr>
+                                        <p:cTn id="6" dur="1" fill="hold">
+                                          <p:stCondLst>
+                                            <p:cond delay="0"/>
+                                          </p:stCondLst>
+                                        </p:cTn>
+                                        <p:tgtEl>
+                                          <p:spTgt spid="11"/>
+                                        </p:tgtEl>
+                                        <p:attrNameLst>
+                                          <p:attrName>style.visibility</p:attrName>
+                                        </p:attrNameLst>
+                                      </p:cBhvr>
+                                      <p:to>
+                                        <p:strVal val="visible"/>
+                                      </p:to>
+                                    </p:set>
+                                  </p:childTnLst>
+                                </p:cTn>
+                              </p:par>
+                              <p:par>
+                                <p:cTn id="7" presetID="1" presetClass="entr" presetSubtype="0" fill="hold" nodeType="withEffect">
+                                  <p:stCondLst>
+                                    <p:cond delay="0"/>
+                                  </p:stCondLst>
+                                  <p:childTnLst>
+                                    <p:set>
+                                      <p:cBhvr>
+                                        <p:cTn id="8" dur="1" fill="hold">
+                                          <p:stCondLst>
+                                            <p:cond delay="0"/>
+                                          </p:stCondLst>
+                                        </p:cTn>
+                                        <p:tgtEl>
+                                          <p:spTgt spid="8"/>
+                                        </p:tgtEl>
+                                        <p:attrNameLst>
+                                          <p:attrName>style.visibility</p:attrName>
+                                        </p:attrNameLst>
+                                      </p:cBhvr>
+                                      <p:to>
+                                        <p:strVal val="visible"/>
+                                      </p:to>
+                                    </p:set>
+                                  </p:childTnLst>
+                                </p:cTn>
+                              </p:par>
+                              <p:par>
+                                <p:cTn id="9" presetID="1" presetClass="entr" presetSubtype="0" fill="hold" grpId="0" nodeType="withEffect">
+                                  <p:stCondLst>
+                                    <p:cond delay="0"/>
+                                  </p:stCondLst>
+                                  <p:childTnLst>
+                                    <p:set>
+                                      <p:cBhvr>
+                                        <p:cTn id="10" dur="1" fill="hold">
+                                          <p:stCondLst>
+                                            <p:cond delay="0"/>
+                                          </p:stCondLst>
+                                        </p:cTn>
+                                        <p:tgtEl>
+                                          <p:spTgt spid="7"/>
+                                        </p:tgtEl>
+                                        <p:attrNameLst>
+                                          <p:attrName>style.visibility</p:attrName>
+                                        </p:attrNameLst>
+                                      </p:cBhvr>
+                                      <p:to>
+                                        <p:strVal val="visible"/>
+                                      </p:to>
+                                    </p:set>
+                                  </p:childTnLst>
+                                </p:cTn>
+                              </p:par>
+                            </p:childTnLst>
+                          </p:cTn>
+                        </p:par>
+                      </p:childTnLst>
+                    </p:cTn>
+                  </p:par>
+                  <p:par>
+                    <p:cTn id="11" fill="hold">
+                      <p:stCondLst>
+                        <p:cond delay="indefinite"/>
+                      </p:stCondLst>
+                      <p:childTnLst>
+                        <p:par>
+                          <p:cTn id="12" fill="hold">
+                            <p:stCondLst>
+                              <p:cond delay="0"/>
+                            </p:stCondLst>
+                            <p:childTnLst>
+                              <p:par>
+                                <p:cTn id="13" presetID="1" presetClass="entr" presetSubtype="0" fill="hold" nodeType="clickEffect">
+                                  <p:stCondLst>
+                                    <p:cond delay="0"/>
+                                  </p:stCondLst>
+                                  <p:childTnLst>
+                                    <p:set>
+                                      <p:cBhvr>
+                                        <p:cTn id="14" dur="1" fill="hold">
+                                          <p:stCondLst>
+                                            <p:cond delay="0"/>
+                                          </p:stCondLst>
+                                        </p:cTn>
+                                        <p:tgtEl>
+                                          <p:spTgt spid="14"/>
+                                        </p:tgtEl>
+                                        <p:attrNameLst>
+                                          <p:attrName>style.visibility</p:attrName>
+                                        </p:attrNameLst>
+                                      </p:cBhvr>
+                                      <p:to>
+                                        <p:strVal val="visible"/>
+                                      </p:to>
+                                    </p:set>
+                                  </p:childTnLst>
+                                </p:cTn>
+                              </p:par>
+                            </p:childTnLst>
+                          </p:cTn>
+                        </p:par>
+                      </p:childTnLst>
+                    </p:cTn>
+                  </p:par>
+                </p:childTnLst>
+              </p:cTn>
+              <p:prevCondLst>
+                <p:cond evt="onPrev" delay="0">
+                  <p:tgtEl>
+                    <p:sldTgt/>
+                  </p:tgtEl>
+                </p:cond>
+              </p:prevCondLst>
+              <p:nextCondLst>
+                <p:cond evt="onNext" delay="0">
+                  <p:tgtEl>
+                    <p:sldTgt/>
+                  </p:tgtEl>
+                </p:cond>
+              </p:nextCondLst>
+            </p:seq>
+          </p:childTnLst>
+        </p:cTn>
+      </p:par>
+    </p:tnLst>
+    <p:bldLst>
+      <p:bldP spid="7" grpId="0"/>
+      <p:bldP spid="11" grpId="0"/>
+    </p:bldLst>
+  </p:timing>
+</p:sld>
+</file>
+
+<file path=ppt/slides/slide5.xml><?xml version="1.0" encoding="utf-8"?>
+<p:sld xmlns:a="http://schemas.openxmlformats.org/drawingml/2006/main" xmlns:r="http://schemas.openxmlformats.org/officeDocument/2006/relationships" xmlns:p="http://schemas.openxmlformats.org/presentationml/2006/main">
+  <p:cSld>
+    <p:spTree>
+      <p:nvGrpSpPr>
+        <p:cNvPr id="1" name=""/>
+        <p:cNvGrpSpPr/>
+        <p:nvPr/>
+      </p:nvGrpSpPr>
+      <p:grpSpPr>
+        <a:xfrm>
+          <a:off x="0" y="0"/>
+          <a:ext cx="0" cy="0"/>
+          <a:chOff x="0" y="0"/>
+          <a:chExt cx="0" cy="0"/>
+        </a:xfrm>
+      </p:grpSpPr>
+      <p:sp>
+        <p:nvSpPr>
+          <p:cNvPr id="2" name="Title 1">
+            <a:extLst>
+              <a:ext uri="{FF2B5EF4-FFF2-40B4-BE49-F238E27FC236}">
+                <a16:creationId xmlns:a16="http://schemas.microsoft.com/office/drawing/2014/main" id="{BE2441F4-A35F-4080-B7AF-149C9EB8291B}"/>
+              </a:ext>
+            </a:extLst>
+          </p:cNvPr>
+          <p:cNvSpPr>
+            <a:spLocks noGrp="1"/>
+          </p:cNvSpPr>
+          <p:nvPr>
+            <p:ph type="title"/>
+          </p:nvPr>
+        </p:nvSpPr>
+        <p:spPr/>
+        <p:txBody>
+          <a:bodyPr/>
+          <a:lstStyle/>
+          <a:p>
+            <a:r>
+              <a:rPr lang="en-US" dirty="0"/>
+              <a:t>Get the resources</a:t>
+            </a:r>
+            <a:endParaRPr lang="en-DK" dirty="0"/>
+          </a:p>
+        </p:txBody>
+      </p:sp>
+      <p:sp>
+        <p:nvSpPr>
+          <p:cNvPr id="3" name="Content Placeholder 2">
+            <a:extLst>
+              <a:ext uri="{FF2B5EF4-FFF2-40B4-BE49-F238E27FC236}">
+                <a16:creationId xmlns:a16="http://schemas.microsoft.com/office/drawing/2014/main" id="{A3985D17-1A51-4600-B797-B6BE4B97361B}"/>
+              </a:ext>
+            </a:extLst>
+          </p:cNvPr>
+          <p:cNvSpPr>
+            <a:spLocks noGrp="1"/>
+          </p:cNvSpPr>
+          <p:nvPr>
+            <p:ph idx="1"/>
+          </p:nvPr>
+        </p:nvSpPr>
+        <p:spPr/>
+        <p:txBody>
+          <a:bodyPr/>
+          <a:lstStyle/>
+          <a:p>
+            <a:pPr marL="0" indent="0">
+              <a:buNone/>
+            </a:pPr>
+            <a:r>
+              <a:rPr lang="en-US" dirty="0">
+                <a:hlinkClick r:id="rId2"/>
+              </a:rPr>
+              <a:t>https://github.com/aahr/Intro-R-Psychoacoustics</a:t>
+            </a:r>
+            <a:endParaRPr lang="en-DK" dirty="0"/>
+          </a:p>
+        </p:txBody>
+      </p:sp>
+      <p:sp>
+        <p:nvSpPr>
+          <p:cNvPr id="4" name="Slide Number Placeholder 3">
+            <a:extLst>
+              <a:ext uri="{FF2B5EF4-FFF2-40B4-BE49-F238E27FC236}">
+                <a16:creationId xmlns:a16="http://schemas.microsoft.com/office/drawing/2014/main" id="{4A2DB601-73FB-4D58-BF94-70B5B5E73D5E}"/>
+              </a:ext>
+            </a:extLst>
+          </p:cNvPr>
+          <p:cNvSpPr>
+            <a:spLocks noGrp="1"/>
+          </p:cNvSpPr>
+          <p:nvPr>
+            <p:ph type="sldNum" sz="quarter" idx="11"/>
+          </p:nvPr>
+        </p:nvSpPr>
+        <p:spPr/>
+        <p:txBody>
+          <a:bodyPr/>
+          <a:lstStyle/>
+          <a:p>
+            <a:fld id="{103EA872-A674-449B-A120-B97244F8E91D}" type="slidenum">
+              <a:rPr lang="en-GB" smtClean="0"/>
+              <a:pPr/>
+              <a:t>5</a:t>
+            </a:fld>
+            <a:endParaRPr lang="en-GB" dirty="0"/>
+          </a:p>
+        </p:txBody>
+      </p:sp>
+      <p:pic>
+        <p:nvPicPr>
+          <p:cNvPr id="1026" name="Picture 2" descr="GitHub Logos and Usage · GitHub">
+            <a:extLst>
+              <a:ext uri="{FF2B5EF4-FFF2-40B4-BE49-F238E27FC236}">
+                <a16:creationId xmlns:a16="http://schemas.microsoft.com/office/drawing/2014/main" id="{DABE430A-7A7A-43D3-A7E7-5E7CC02D8725}"/>
+              </a:ext>
+            </a:extLst>
+          </p:cNvPr>
+          <p:cNvPicPr>
+            <a:picLocks noChangeAspect="1" noChangeArrowheads="1"/>
+          </p:cNvPicPr>
+          <p:nvPr/>
+        </p:nvPicPr>
+        <p:blipFill>
+          <a:blip r:embed="rId3">
+            <a:extLst>
+              <a:ext uri="{28A0092B-C50C-407E-A947-70E740481C1C}">
+                <a14:useLocalDpi xmlns:a14="http://schemas.microsoft.com/office/drawing/2010/main" val="0"/>
+              </a:ext>
+            </a:extLst>
+          </a:blip>
+          <a:srcRect/>
+          <a:stretch>
+            <a:fillRect/>
+          </a:stretch>
+        </p:blipFill>
+        <p:spPr bwMode="auto">
+          <a:xfrm>
+            <a:off x="190550" y="2060848"/>
+            <a:ext cx="5715000" cy="3000375"/>
+          </a:xfrm>
+          <a:prstGeom prst="rect">
+            <a:avLst/>
+          </a:prstGeom>
+          <a:noFill/>
+          <a:extLst>
+            <a:ext uri="{909E8E84-426E-40DD-AFC4-6F175D3DCCD1}">
+              <a14:hiddenFill xmlns:a14="http://schemas.microsoft.com/office/drawing/2010/main">
+                <a:solidFill>
+                  <a:srgbClr val="FFFFFF"/>
+                </a:solidFill>
+              </a14:hiddenFill>
+            </a:ext>
+          </a:extLst>
+        </p:spPr>
+      </p:pic>
+    </p:spTree>
+    <p:extLst>
+      <p:ext uri="{BB962C8B-B14F-4D97-AF65-F5344CB8AC3E}">
+        <p14:creationId xmlns:p14="http://schemas.microsoft.com/office/powerpoint/2010/main" val="1590694465"/>
+      </p:ext>
+    </p:extLst>
+  </p:cSld>
+  <p:clrMapOvr>
+    <a:masterClrMapping/>
+  </p:clrMapOvr>
+</p:sld>
+</file>
+
+<file path=ppt/slides/slide6.xml><?xml version="1.0" encoding="utf-8"?>
 <p:sld xmlns:a="http://schemas.openxmlformats.org/drawingml/2006/main" xmlns:r="http://schemas.openxmlformats.org/officeDocument/2006/relationships" xmlns:p="http://schemas.openxmlformats.org/presentationml/2006/main">
   <p:cSld>
     <p:spTree>
@@ -9399,7 +11770,7 @@
           <a:p>
             <a:r>
               <a:rPr lang="en-US" dirty="0"/>
-              <a:t>Data preparation</a:t>
+              <a:t>Data preparation in MATLAB</a:t>
             </a:r>
             <a:endParaRPr lang="en-DK" dirty="0"/>
           </a:p>
@@ -9458,7 +11829,7 @@
             <a:fld id="{103EA872-A674-449B-A120-B97244F8E91D}" type="slidenum">
               <a:rPr lang="en-GB" smtClean="0"/>
               <a:pPr/>
-              <a:t>3</a:t>
+              <a:t>6</a:t>
             </a:fld>
             <a:endParaRPr lang="en-GB" dirty="0"/>
           </a:p>
@@ -9466,10 +11837,10 @@
       </p:sp>
       <p:pic>
         <p:nvPicPr>
-          <p:cNvPr id="5" name="Picture 4">
+          <p:cNvPr id="6" name="Picture 5">
             <a:extLst>
               <a:ext uri="{FF2B5EF4-FFF2-40B4-BE49-F238E27FC236}">
-                <a16:creationId xmlns:a16="http://schemas.microsoft.com/office/drawing/2014/main" id="{A5764681-C799-4A72-AB12-643B6581E3D6}"/>
+                <a16:creationId xmlns:a16="http://schemas.microsoft.com/office/drawing/2014/main" id="{2B4456F6-2CFC-4FBE-9056-DC07720E09B8}"/>
               </a:ext>
             </a:extLst>
           </p:cNvPr>
@@ -9478,16 +11849,15 @@
           </p:cNvPicPr>
           <p:nvPr/>
         </p:nvPicPr>
-        <p:blipFill>
+        <p:blipFill rotWithShape="1">
           <a:blip r:embed="rId2"/>
-          <a:stretch>
-            <a:fillRect/>
-          </a:stretch>
+          <a:srcRect b="35706"/>
+          <a:stretch/>
         </p:blipFill>
         <p:spPr>
           <a:xfrm>
-            <a:off x="2278782" y="1988840"/>
-            <a:ext cx="8221222" cy="4010585"/>
+            <a:off x="1126654" y="1916832"/>
+            <a:ext cx="8802328" cy="2664296"/>
           </a:xfrm>
           <a:prstGeom prst="rect">
             <a:avLst/>
@@ -9507,7 +11877,7 @@
 </p:sld>
 </file>
 
-<file path=ppt/slides/slide4.xml><?xml version="1.0" encoding="utf-8"?>
+<file path=ppt/slides/slide7.xml><?xml version="1.0" encoding="utf-8"?>
 <p:sld xmlns:a="http://schemas.openxmlformats.org/drawingml/2006/main" xmlns:r="http://schemas.openxmlformats.org/officeDocument/2006/relationships" xmlns:p="http://schemas.openxmlformats.org/presentationml/2006/main">
   <p:cSld>
     <p:spTree>
@@ -9574,7 +11944,11 @@
           <a:bodyPr/>
           <a:lstStyle/>
           <a:p>
-            <a:endParaRPr lang="en-DK"/>
+            <a:r>
+              <a:rPr lang="en-US" dirty="0"/>
+              <a:t>Write data to csv or xlsx file</a:t>
+            </a:r>
+            <a:endParaRPr lang="en-DK" dirty="0"/>
           </a:p>
         </p:txBody>
       </p:sp>
@@ -9602,7 +11976,7 @@
             <a:fld id="{103EA872-A674-449B-A120-B97244F8E91D}" type="slidenum">
               <a:rPr lang="en-GB" smtClean="0"/>
               <a:pPr/>
-              <a:t>4</a:t>
+              <a:t>7</a:t>
             </a:fld>
             <a:endParaRPr lang="en-GB" dirty="0"/>
           </a:p>
@@ -9610,10 +11984,10 @@
       </p:sp>
       <p:pic>
         <p:nvPicPr>
-          <p:cNvPr id="5" name="Picture 4">
+          <p:cNvPr id="6" name="Picture 5">
             <a:extLst>
               <a:ext uri="{FF2B5EF4-FFF2-40B4-BE49-F238E27FC236}">
-                <a16:creationId xmlns:a16="http://schemas.microsoft.com/office/drawing/2014/main" id="{70AB228B-DE11-4AD7-913D-A01801BEFC2E}"/>
+                <a16:creationId xmlns:a16="http://schemas.microsoft.com/office/drawing/2014/main" id="{2C53A5F6-4C94-4526-B846-2AF40B4221B4}"/>
               </a:ext>
             </a:extLst>
           </p:cNvPr>
@@ -9622,16 +11996,15 @@
           </p:cNvPicPr>
           <p:nvPr/>
         </p:nvPicPr>
-        <p:blipFill>
+        <p:blipFill rotWithShape="1">
           <a:blip r:embed="rId2"/>
-          <a:stretch>
-            <a:fillRect/>
-          </a:stretch>
+          <a:srcRect t="67769"/>
+          <a:stretch/>
         </p:blipFill>
         <p:spPr>
           <a:xfrm>
-            <a:off x="2278782" y="1988840"/>
-            <a:ext cx="8221222" cy="4010585"/>
+            <a:off x="1054646" y="2636912"/>
+            <a:ext cx="8802328" cy="1335641"/>
           </a:xfrm>
           <a:prstGeom prst="rect">
             <a:avLst/>
@@ -9651,7 +12024,7 @@
 </p:sld>
 </file>
 
-<file path=ppt/slides/slide5.xml><?xml version="1.0" encoding="utf-8"?>
+<file path=ppt/slides/slide8.xml><?xml version="1.0" encoding="utf-8"?>
 <p:sld xmlns:a="http://schemas.openxmlformats.org/drawingml/2006/main" xmlns:r="http://schemas.openxmlformats.org/officeDocument/2006/relationships" xmlns:p="http://schemas.openxmlformats.org/presentationml/2006/main">
   <p:cSld>
     <p:spTree>
@@ -9691,7 +12064,7 @@
           <a:p>
             <a:r>
               <a:rPr lang="en-US" dirty="0"/>
-              <a:t>Base R vs </a:t>
+              <a:t>Base-R vs </a:t>
             </a:r>
             <a:r>
               <a:rPr lang="en-US" dirty="0" err="1"/>
@@ -9722,7 +12095,123 @@
           <a:bodyPr/>
           <a:lstStyle/>
           <a:p>
-            <a:endParaRPr lang="en-DK"/>
+            <a:r>
+              <a:rPr lang="en-US" dirty="0"/>
+              <a:t>The </a:t>
+            </a:r>
+            <a:r>
+              <a:rPr lang="en-US" dirty="0" err="1"/>
+              <a:t>Tidyverse</a:t>
+            </a:r>
+            <a:r>
+              <a:rPr lang="en-US" dirty="0"/>
+              <a:t> introduces packages and data handling in a slightly different way</a:t>
+            </a:r>
+          </a:p>
+          <a:p>
+            <a:endParaRPr lang="en-US" dirty="0"/>
+          </a:p>
+          <a:p>
+            <a:r>
+              <a:rPr lang="pt-BR" dirty="0"/>
+              <a:t>Learn more here: </a:t>
+            </a:r>
+          </a:p>
+          <a:p>
+            <a:pPr lvl="1"/>
+            <a:r>
+              <a:rPr lang="pt-BR" dirty="0"/>
+              <a:t>R for Data Science (Garrett Grolemund, </a:t>
+            </a:r>
+            <a:r>
+              <a:rPr lang="en-US" dirty="0"/>
+              <a:t>Hadley Wickham)</a:t>
+            </a:r>
+            <a:r>
+              <a:rPr lang="pt-BR" dirty="0"/>
+              <a:t> - </a:t>
+            </a:r>
+            <a:r>
+              <a:rPr lang="en-US" dirty="0">
+                <a:hlinkClick r:id="rId2"/>
+              </a:rPr>
+              <a:t>https://r4ds.had.co.nz/</a:t>
+            </a:r>
+            <a:endParaRPr lang="en-US" dirty="0"/>
+          </a:p>
+          <a:p>
+            <a:pPr lvl="1"/>
+            <a:endParaRPr lang="en-US" dirty="0"/>
+          </a:p>
+          <a:p>
+            <a:pPr marL="216000" lvl="1" indent="0">
+              <a:buNone/>
+            </a:pPr>
+            <a:endParaRPr lang="en-US" dirty="0"/>
+          </a:p>
+          <a:p>
+            <a:pPr marL="216000" lvl="1" indent="0">
+              <a:buNone/>
+            </a:pPr>
+            <a:endParaRPr lang="en-US" dirty="0"/>
+          </a:p>
+          <a:p>
+            <a:r>
+              <a:rPr lang="en-US" dirty="0"/>
+              <a:t>There is a discussion if </a:t>
+            </a:r>
+            <a:r>
+              <a:rPr lang="en-US" dirty="0">
+                <a:solidFill>
+                  <a:schemeClr val="accent3">
+                    <a:lumMod val="75000"/>
+                  </a:schemeClr>
+                </a:solidFill>
+              </a:rPr>
+              <a:t>Base-R</a:t>
+            </a:r>
+            <a:r>
+              <a:rPr lang="en-US" dirty="0"/>
+              <a:t> or </a:t>
+            </a:r>
+            <a:r>
+              <a:rPr lang="en-US" dirty="0" err="1">
+                <a:solidFill>
+                  <a:schemeClr val="accent3">
+                    <a:lumMod val="75000"/>
+                  </a:schemeClr>
+                </a:solidFill>
+              </a:rPr>
+              <a:t>Tidyverse</a:t>
+            </a:r>
+            <a:r>
+              <a:rPr lang="en-US" dirty="0"/>
+              <a:t> is the way to go in R</a:t>
+            </a:r>
+          </a:p>
+          <a:p>
+            <a:endParaRPr lang="en-US" dirty="0"/>
+          </a:p>
+          <a:p>
+            <a:r>
+              <a:rPr lang="en-US" dirty="0">
+                <a:hlinkClick r:id="rId3"/>
+              </a:rPr>
+              <a:t>http://varianceexplained.org/r/teach-tidyverse/</a:t>
+            </a:r>
+            <a:endParaRPr lang="en-US" dirty="0"/>
+          </a:p>
+          <a:p>
+            <a:pPr marL="216000" lvl="1" indent="0">
+              <a:buNone/>
+            </a:pPr>
+            <a:endParaRPr lang="en-DK" dirty="0"/>
+          </a:p>
+          <a:p>
+            <a:pPr marL="0" indent="0">
+              <a:buNone/>
+            </a:pPr>
+            <a:endParaRPr lang="en-DK" dirty="0"/>
           </a:p>
         </p:txBody>
       </p:sp>
@@ -9750,121 +12239,7 @@
             <a:fld id="{103EA872-A674-449B-A120-B97244F8E91D}" type="slidenum">
               <a:rPr lang="en-GB" smtClean="0"/>
               <a:pPr/>
-              <a:t>5</a:t>
-            </a:fld>
-            <a:endParaRPr lang="en-GB" dirty="0"/>
-          </a:p>
-        </p:txBody>
-      </p:sp>
-    </p:spTree>
-    <p:extLst>
-      <p:ext uri="{BB962C8B-B14F-4D97-AF65-F5344CB8AC3E}">
-        <p14:creationId xmlns:p14="http://schemas.microsoft.com/office/powerpoint/2010/main" val="3770905661"/>
-      </p:ext>
-    </p:extLst>
-  </p:cSld>
-  <p:clrMapOvr>
-    <a:masterClrMapping/>
-  </p:clrMapOvr>
-</p:sld>
-</file>
-
-<file path=ppt/slides/slide6.xml><?xml version="1.0" encoding="utf-8"?>
-<p:sld xmlns:a="http://schemas.openxmlformats.org/drawingml/2006/main" xmlns:r="http://schemas.openxmlformats.org/officeDocument/2006/relationships" xmlns:p="http://schemas.openxmlformats.org/presentationml/2006/main">
-  <p:cSld>
-    <p:spTree>
-      <p:nvGrpSpPr>
-        <p:cNvPr id="1" name=""/>
-        <p:cNvGrpSpPr/>
-        <p:nvPr/>
-      </p:nvGrpSpPr>
-      <p:grpSpPr>
-        <a:xfrm>
-          <a:off x="0" y="0"/>
-          <a:ext cx="0" cy="0"/>
-          <a:chOff x="0" y="0"/>
-          <a:chExt cx="0" cy="0"/>
-        </a:xfrm>
-      </p:grpSpPr>
-      <p:sp>
-        <p:nvSpPr>
-          <p:cNvPr id="2" name="Title 1">
-            <a:extLst>
-              <a:ext uri="{FF2B5EF4-FFF2-40B4-BE49-F238E27FC236}">
-                <a16:creationId xmlns:a16="http://schemas.microsoft.com/office/drawing/2014/main" id="{23529989-74A1-4DB5-810B-73414AE7BCB9}"/>
-              </a:ext>
-            </a:extLst>
-          </p:cNvPr>
-          <p:cNvSpPr>
-            <a:spLocks noGrp="1"/>
-          </p:cNvSpPr>
-          <p:nvPr>
-            <p:ph type="title"/>
-          </p:nvPr>
-        </p:nvSpPr>
-        <p:spPr/>
-        <p:txBody>
-          <a:bodyPr/>
-          <a:lstStyle/>
-          <a:p>
-            <a:r>
-              <a:rPr lang="en-US" dirty="0"/>
-              <a:t>Data import in R</a:t>
-            </a:r>
-            <a:endParaRPr lang="en-DK" dirty="0"/>
-          </a:p>
-        </p:txBody>
-      </p:sp>
-      <p:sp>
-        <p:nvSpPr>
-          <p:cNvPr id="3" name="Content Placeholder 2">
-            <a:extLst>
-              <a:ext uri="{FF2B5EF4-FFF2-40B4-BE49-F238E27FC236}">
-                <a16:creationId xmlns:a16="http://schemas.microsoft.com/office/drawing/2014/main" id="{DBACCB47-F089-4E64-9E88-14CC07055865}"/>
-              </a:ext>
-            </a:extLst>
-          </p:cNvPr>
-          <p:cNvSpPr>
-            <a:spLocks noGrp="1"/>
-          </p:cNvSpPr>
-          <p:nvPr>
-            <p:ph idx="1"/>
-          </p:nvPr>
-        </p:nvSpPr>
-        <p:spPr/>
-        <p:txBody>
-          <a:bodyPr/>
-          <a:lstStyle/>
-          <a:p>
-            <a:endParaRPr lang="en-DK"/>
-          </a:p>
-        </p:txBody>
-      </p:sp>
-      <p:sp>
-        <p:nvSpPr>
-          <p:cNvPr id="4" name="Slide Number Placeholder 3">
-            <a:extLst>
-              <a:ext uri="{FF2B5EF4-FFF2-40B4-BE49-F238E27FC236}">
-                <a16:creationId xmlns:a16="http://schemas.microsoft.com/office/drawing/2014/main" id="{8F2D2B77-54CC-4024-BB07-EF0082351CE7}"/>
-              </a:ext>
-            </a:extLst>
-          </p:cNvPr>
-          <p:cNvSpPr>
-            <a:spLocks noGrp="1"/>
-          </p:cNvSpPr>
-          <p:nvPr>
-            <p:ph type="sldNum" sz="quarter" idx="11"/>
-          </p:nvPr>
-        </p:nvSpPr>
-        <p:spPr/>
-        <p:txBody>
-          <a:bodyPr/>
-          <a:lstStyle/>
-          <a:p>
-            <a:fld id="{103EA872-A674-449B-A120-B97244F8E91D}" type="slidenum">
-              <a:rPr lang="en-GB" smtClean="0"/>
-              <a:pPr/>
-              <a:t>6</a:t>
+              <a:t>8</a:t>
             </a:fld>
             <a:endParaRPr lang="en-GB" dirty="0"/>
           </a:p>
@@ -9875,7 +12250,7 @@
           <p:cNvPr id="5" name="Picture 4">
             <a:extLst>
               <a:ext uri="{FF2B5EF4-FFF2-40B4-BE49-F238E27FC236}">
-                <a16:creationId xmlns:a16="http://schemas.microsoft.com/office/drawing/2014/main" id="{770F82FA-0217-4E4D-BCF9-1BE01EEE01D8}"/>
+                <a16:creationId xmlns:a16="http://schemas.microsoft.com/office/drawing/2014/main" id="{EC79F1E9-FDA4-4387-A580-BF6708A4CF14}"/>
               </a:ext>
             </a:extLst>
           </p:cNvPr>
@@ -9884,15 +12259,16 @@
           </p:cNvPicPr>
           <p:nvPr/>
         </p:nvPicPr>
-        <p:blipFill rotWithShape="1">
-          <a:blip r:embed="rId2"/>
-          <a:srcRect b="61550"/>
-          <a:stretch/>
+        <p:blipFill>
+          <a:blip r:embed="rId4"/>
+          <a:stretch>
+            <a:fillRect/>
+          </a:stretch>
         </p:blipFill>
         <p:spPr>
           <a:xfrm>
-            <a:off x="1203818" y="2477917"/>
-            <a:ext cx="9926792" cy="2636912"/>
+            <a:off x="9911630" y="1052736"/>
+            <a:ext cx="2153308" cy="3171235"/>
           </a:xfrm>
           <a:prstGeom prst="rect">
             <a:avLst/>
@@ -9902,323 +12278,7 @@
     </p:spTree>
     <p:extLst>
       <p:ext uri="{BB962C8B-B14F-4D97-AF65-F5344CB8AC3E}">
-        <p14:creationId xmlns:p14="http://schemas.microsoft.com/office/powerpoint/2010/main" val="1490987065"/>
-      </p:ext>
-    </p:extLst>
-  </p:cSld>
-  <p:clrMapOvr>
-    <a:masterClrMapping/>
-  </p:clrMapOvr>
-</p:sld>
-</file>
-
-<file path=ppt/slides/slide7.xml><?xml version="1.0" encoding="utf-8"?>
-<p:sld xmlns:a="http://schemas.openxmlformats.org/drawingml/2006/main" xmlns:r="http://schemas.openxmlformats.org/officeDocument/2006/relationships" xmlns:p="http://schemas.openxmlformats.org/presentationml/2006/main">
-  <p:cSld>
-    <p:spTree>
-      <p:nvGrpSpPr>
-        <p:cNvPr id="1" name=""/>
-        <p:cNvGrpSpPr/>
-        <p:nvPr/>
-      </p:nvGrpSpPr>
-      <p:grpSpPr>
-        <a:xfrm>
-          <a:off x="0" y="0"/>
-          <a:ext cx="0" cy="0"/>
-          <a:chOff x="0" y="0"/>
-          <a:chExt cx="0" cy="0"/>
-        </a:xfrm>
-      </p:grpSpPr>
-      <p:sp>
-        <p:nvSpPr>
-          <p:cNvPr id="2" name="Title 1">
-            <a:extLst>
-              <a:ext uri="{FF2B5EF4-FFF2-40B4-BE49-F238E27FC236}">
-                <a16:creationId xmlns:a16="http://schemas.microsoft.com/office/drawing/2014/main" id="{E5E99378-F913-4750-9CD0-589280E9376C}"/>
-              </a:ext>
-            </a:extLst>
-          </p:cNvPr>
-          <p:cNvSpPr>
-            <a:spLocks noGrp="1"/>
-          </p:cNvSpPr>
-          <p:nvPr>
-            <p:ph type="title"/>
-          </p:nvPr>
-        </p:nvSpPr>
-        <p:spPr/>
-        <p:txBody>
-          <a:bodyPr/>
-          <a:lstStyle/>
-          <a:p>
-            <a:r>
-              <a:rPr lang="en-US" dirty="0"/>
-              <a:t>Data visualization</a:t>
-            </a:r>
-            <a:endParaRPr lang="en-DK" dirty="0"/>
-          </a:p>
-        </p:txBody>
-      </p:sp>
-      <p:sp>
-        <p:nvSpPr>
-          <p:cNvPr id="3" name="Content Placeholder 2">
-            <a:extLst>
-              <a:ext uri="{FF2B5EF4-FFF2-40B4-BE49-F238E27FC236}">
-                <a16:creationId xmlns:a16="http://schemas.microsoft.com/office/drawing/2014/main" id="{01323CE2-2D59-4759-A72E-2F7E0FDBAC6A}"/>
-              </a:ext>
-            </a:extLst>
-          </p:cNvPr>
-          <p:cNvSpPr>
-            <a:spLocks noGrp="1"/>
-          </p:cNvSpPr>
-          <p:nvPr>
-            <p:ph idx="1"/>
-          </p:nvPr>
-        </p:nvSpPr>
-        <p:spPr/>
-        <p:txBody>
-          <a:bodyPr/>
-          <a:lstStyle/>
-          <a:p>
-            <a:r>
-              <a:rPr lang="en-US" dirty="0"/>
-              <a:t>ggplot2</a:t>
-            </a:r>
-          </a:p>
-          <a:p>
-            <a:endParaRPr lang="en-US" dirty="0"/>
-          </a:p>
-          <a:p>
-            <a:r>
-              <a:rPr lang="en-US" dirty="0">
-                <a:hlinkClick r:id="rId2"/>
-              </a:rPr>
-              <a:t>https://github.com/rstudio/cheatsheets/blob/master/data-visualization-2.1.pdf</a:t>
-            </a:r>
-            <a:endParaRPr lang="en-DK" dirty="0"/>
-          </a:p>
-          <a:p>
-            <a:endParaRPr lang="en-US" dirty="0"/>
-          </a:p>
-          <a:p>
-            <a:endParaRPr lang="en-US" dirty="0"/>
-          </a:p>
-          <a:p>
-            <a:endParaRPr lang="en-US" dirty="0"/>
-          </a:p>
-          <a:p>
-            <a:endParaRPr lang="en-US" dirty="0"/>
-          </a:p>
-          <a:p>
-            <a:endParaRPr lang="en-US" dirty="0"/>
-          </a:p>
-        </p:txBody>
-      </p:sp>
-      <p:sp>
-        <p:nvSpPr>
-          <p:cNvPr id="4" name="Slide Number Placeholder 3">
-            <a:extLst>
-              <a:ext uri="{FF2B5EF4-FFF2-40B4-BE49-F238E27FC236}">
-                <a16:creationId xmlns:a16="http://schemas.microsoft.com/office/drawing/2014/main" id="{117C8B85-7A36-49B5-A66C-B4AA2A9592D4}"/>
-              </a:ext>
-            </a:extLst>
-          </p:cNvPr>
-          <p:cNvSpPr>
-            <a:spLocks noGrp="1"/>
-          </p:cNvSpPr>
-          <p:nvPr>
-            <p:ph type="sldNum" sz="quarter" idx="11"/>
-          </p:nvPr>
-        </p:nvSpPr>
-        <p:spPr/>
-        <p:txBody>
-          <a:bodyPr/>
-          <a:lstStyle/>
-          <a:p>
-            <a:fld id="{103EA872-A674-449B-A120-B97244F8E91D}" type="slidenum">
-              <a:rPr lang="en-GB" smtClean="0"/>
-              <a:pPr/>
-              <a:t>7</a:t>
-            </a:fld>
-            <a:endParaRPr lang="en-GB" dirty="0"/>
-          </a:p>
-        </p:txBody>
-      </p:sp>
-      <p:pic>
-        <p:nvPicPr>
-          <p:cNvPr id="5" name="Picture 4">
-            <a:extLst>
-              <a:ext uri="{FF2B5EF4-FFF2-40B4-BE49-F238E27FC236}">
-                <a16:creationId xmlns:a16="http://schemas.microsoft.com/office/drawing/2014/main" id="{35B90C40-592F-4B3B-B85A-CF3BC4075902}"/>
-              </a:ext>
-            </a:extLst>
-          </p:cNvPr>
-          <p:cNvPicPr>
-            <a:picLocks noChangeAspect="1"/>
-          </p:cNvPicPr>
-          <p:nvPr/>
-        </p:nvPicPr>
-        <p:blipFill rotWithShape="1">
-          <a:blip r:embed="rId3"/>
-          <a:srcRect t="45800" b="31101"/>
-          <a:stretch/>
-        </p:blipFill>
-        <p:spPr>
-          <a:xfrm>
-            <a:off x="1054646" y="3140968"/>
-            <a:ext cx="9926792" cy="1584176"/>
-          </a:xfrm>
-          <a:prstGeom prst="rect">
-            <a:avLst/>
-          </a:prstGeom>
-        </p:spPr>
-      </p:pic>
-    </p:spTree>
-    <p:extLst>
-      <p:ext uri="{BB962C8B-B14F-4D97-AF65-F5344CB8AC3E}">
-        <p14:creationId xmlns:p14="http://schemas.microsoft.com/office/powerpoint/2010/main" val="375032909"/>
-      </p:ext>
-    </p:extLst>
-  </p:cSld>
-  <p:clrMapOvr>
-    <a:masterClrMapping/>
-  </p:clrMapOvr>
-</p:sld>
-</file>
-
-<file path=ppt/slides/slide8.xml><?xml version="1.0" encoding="utf-8"?>
-<p:sld xmlns:a="http://schemas.openxmlformats.org/drawingml/2006/main" xmlns:r="http://schemas.openxmlformats.org/officeDocument/2006/relationships" xmlns:p="http://schemas.openxmlformats.org/presentationml/2006/main">
-  <p:cSld>
-    <p:spTree>
-      <p:nvGrpSpPr>
-        <p:cNvPr id="1" name=""/>
-        <p:cNvGrpSpPr/>
-        <p:nvPr/>
-      </p:nvGrpSpPr>
-      <p:grpSpPr>
-        <a:xfrm>
-          <a:off x="0" y="0"/>
-          <a:ext cx="0" cy="0"/>
-          <a:chOff x="0" y="0"/>
-          <a:chExt cx="0" cy="0"/>
-        </a:xfrm>
-      </p:grpSpPr>
-      <p:sp>
-        <p:nvSpPr>
-          <p:cNvPr id="2" name="Title 1">
-            <a:extLst>
-              <a:ext uri="{FF2B5EF4-FFF2-40B4-BE49-F238E27FC236}">
-                <a16:creationId xmlns:a16="http://schemas.microsoft.com/office/drawing/2014/main" id="{17E87264-F326-4898-A458-2F627E7920E7}"/>
-              </a:ext>
-            </a:extLst>
-          </p:cNvPr>
-          <p:cNvSpPr>
-            <a:spLocks noGrp="1"/>
-          </p:cNvSpPr>
-          <p:nvPr>
-            <p:ph type="title"/>
-          </p:nvPr>
-        </p:nvSpPr>
-        <p:spPr/>
-        <p:txBody>
-          <a:bodyPr/>
-          <a:lstStyle/>
-          <a:p>
-            <a:r>
-              <a:rPr lang="en-US" dirty="0"/>
-              <a:t>Statistical Analysis</a:t>
-            </a:r>
-            <a:endParaRPr lang="en-DK" dirty="0"/>
-          </a:p>
-        </p:txBody>
-      </p:sp>
-      <p:sp>
-        <p:nvSpPr>
-          <p:cNvPr id="3" name="Content Placeholder 2">
-            <a:extLst>
-              <a:ext uri="{FF2B5EF4-FFF2-40B4-BE49-F238E27FC236}">
-                <a16:creationId xmlns:a16="http://schemas.microsoft.com/office/drawing/2014/main" id="{C42DE770-3063-476D-8CBC-DC0CE1FA6E92}"/>
-              </a:ext>
-            </a:extLst>
-          </p:cNvPr>
-          <p:cNvSpPr>
-            <a:spLocks noGrp="1"/>
-          </p:cNvSpPr>
-          <p:nvPr>
-            <p:ph idx="1"/>
-          </p:nvPr>
-        </p:nvSpPr>
-        <p:spPr/>
-        <p:txBody>
-          <a:bodyPr/>
-          <a:lstStyle/>
-          <a:p>
-            <a:endParaRPr lang="en-DK"/>
-          </a:p>
-        </p:txBody>
-      </p:sp>
-      <p:sp>
-        <p:nvSpPr>
-          <p:cNvPr id="4" name="Slide Number Placeholder 3">
-            <a:extLst>
-              <a:ext uri="{FF2B5EF4-FFF2-40B4-BE49-F238E27FC236}">
-                <a16:creationId xmlns:a16="http://schemas.microsoft.com/office/drawing/2014/main" id="{6E73E9AF-F5C1-437E-A278-B08769EB4EB0}"/>
-              </a:ext>
-            </a:extLst>
-          </p:cNvPr>
-          <p:cNvSpPr>
-            <a:spLocks noGrp="1"/>
-          </p:cNvSpPr>
-          <p:nvPr>
-            <p:ph type="sldNum" sz="quarter" idx="11"/>
-          </p:nvPr>
-        </p:nvSpPr>
-        <p:spPr/>
-        <p:txBody>
-          <a:bodyPr/>
-          <a:lstStyle/>
-          <a:p>
-            <a:fld id="{103EA872-A674-449B-A120-B97244F8E91D}" type="slidenum">
-              <a:rPr lang="en-GB" smtClean="0"/>
-              <a:pPr/>
-              <a:t>8</a:t>
-            </a:fld>
-            <a:endParaRPr lang="en-GB" dirty="0"/>
-          </a:p>
-        </p:txBody>
-      </p:sp>
-      <p:pic>
-        <p:nvPicPr>
-          <p:cNvPr id="5" name="Picture 4">
-            <a:extLst>
-              <a:ext uri="{FF2B5EF4-FFF2-40B4-BE49-F238E27FC236}">
-                <a16:creationId xmlns:a16="http://schemas.microsoft.com/office/drawing/2014/main" id="{14F02335-1B1F-4366-A842-2ACAC00BCC74}"/>
-              </a:ext>
-            </a:extLst>
-          </p:cNvPr>
-          <p:cNvPicPr>
-            <a:picLocks noChangeAspect="1"/>
-          </p:cNvPicPr>
-          <p:nvPr/>
-        </p:nvPicPr>
-        <p:blipFill rotWithShape="1">
-          <a:blip r:embed="rId2"/>
-          <a:srcRect t="69299"/>
-          <a:stretch/>
-        </p:blipFill>
-        <p:spPr>
-          <a:xfrm>
-            <a:off x="1352991" y="2492896"/>
-            <a:ext cx="9926792" cy="2105472"/>
-          </a:xfrm>
-          <a:prstGeom prst="rect">
-            <a:avLst/>
-          </a:prstGeom>
-        </p:spPr>
-      </p:pic>
-    </p:spTree>
-    <p:extLst>
-      <p:ext uri="{BB962C8B-B14F-4D97-AF65-F5344CB8AC3E}">
-        <p14:creationId xmlns:p14="http://schemas.microsoft.com/office/powerpoint/2010/main" val="2492731575"/>
+        <p14:creationId xmlns:p14="http://schemas.microsoft.com/office/powerpoint/2010/main" val="3770905661"/>
       </p:ext>
     </p:extLst>
   </p:cSld>
@@ -10250,7 +12310,7 @@
           <p:cNvPr id="2" name="Title 1">
             <a:extLst>
               <a:ext uri="{FF2B5EF4-FFF2-40B4-BE49-F238E27FC236}">
-                <a16:creationId xmlns:a16="http://schemas.microsoft.com/office/drawing/2014/main" id="{A3DF195D-E188-4DEB-A196-024C2736AA80}"/>
+                <a16:creationId xmlns:a16="http://schemas.microsoft.com/office/drawing/2014/main" id="{EEB6B94F-39A6-476A-9313-1C7AA5A835A2}"/>
               </a:ext>
             </a:extLst>
           </p:cNvPr>
@@ -10268,7 +12328,11 @@
           <a:p>
             <a:r>
               <a:rPr lang="en-US" dirty="0"/>
-              <a:t>Summary</a:t>
+              <a:t>More on R / </a:t>
+            </a:r>
+            <a:r>
+              <a:rPr lang="en-US" dirty="0" err="1"/>
+              <a:t>Tidyverse</a:t>
             </a:r>
             <a:endParaRPr lang="en-DK" dirty="0"/>
           </a:p>
@@ -10279,7 +12343,7 @@
           <p:cNvPr id="3" name="Content Placeholder 2">
             <a:extLst>
               <a:ext uri="{FF2B5EF4-FFF2-40B4-BE49-F238E27FC236}">
-                <a16:creationId xmlns:a16="http://schemas.microsoft.com/office/drawing/2014/main" id="{6CDD85C5-5559-4639-A757-0AD3D8B05163}"/>
+                <a16:creationId xmlns:a16="http://schemas.microsoft.com/office/drawing/2014/main" id="{35396236-39FE-42C5-9E4C-EFC73431733A}"/>
               </a:ext>
             </a:extLst>
           </p:cNvPr>
@@ -10290,12 +12354,192 @@
             <p:ph idx="1"/>
           </p:nvPr>
         </p:nvSpPr>
-        <p:spPr/>
+        <p:spPr>
+          <a:xfrm>
+            <a:off x="910630" y="1052736"/>
+            <a:ext cx="10513168" cy="5199242"/>
+          </a:xfrm>
+        </p:spPr>
         <p:txBody>
           <a:bodyPr/>
           <a:lstStyle/>
           <a:p>
-            <a:endParaRPr lang="en-DK"/>
+            <a:r>
+              <a:rPr lang="en-US" dirty="0"/>
+              <a:t>Data import</a:t>
+            </a:r>
+          </a:p>
+          <a:p>
+            <a:pPr lvl="1"/>
+            <a:r>
+              <a:rPr lang="en-US" dirty="0" err="1"/>
+              <a:t>readr</a:t>
+            </a:r>
+            <a:r>
+              <a:rPr lang="en-US" dirty="0"/>
+              <a:t> – </a:t>
+            </a:r>
+            <a:r>
+              <a:rPr lang="en-US" dirty="0">
+                <a:hlinkClick r:id="rId2"/>
+              </a:rPr>
+              <a:t>https://readr.tidyverse.org/</a:t>
+            </a:r>
+            <a:endParaRPr lang="en-US" dirty="0"/>
+          </a:p>
+          <a:p>
+            <a:pPr lvl="1"/>
+            <a:r>
+              <a:rPr lang="en-US" dirty="0" err="1"/>
+              <a:t>readxl</a:t>
+            </a:r>
+            <a:r>
+              <a:rPr lang="en-US" dirty="0"/>
+              <a:t> – </a:t>
+            </a:r>
+            <a:r>
+              <a:rPr lang="en-US" dirty="0">
+                <a:hlinkClick r:id="rId3"/>
+              </a:rPr>
+              <a:t>https://readxl.tidyverse.org/</a:t>
+            </a:r>
+            <a:endParaRPr lang="en-US" dirty="0"/>
+          </a:p>
+          <a:p>
+            <a:pPr lvl="1"/>
+            <a:endParaRPr lang="en-US" dirty="0"/>
+          </a:p>
+          <a:p>
+            <a:r>
+              <a:rPr lang="en-US" dirty="0"/>
+              <a:t>Data manipulation</a:t>
+            </a:r>
+          </a:p>
+          <a:p>
+            <a:pPr lvl="1"/>
+            <a:r>
+              <a:rPr lang="en-US" dirty="0" err="1"/>
+              <a:t>tidyr</a:t>
+            </a:r>
+            <a:r>
+              <a:rPr lang="en-US" dirty="0"/>
+              <a:t> – </a:t>
+            </a:r>
+            <a:r>
+              <a:rPr lang="en-US" dirty="0">
+                <a:hlinkClick r:id="rId4"/>
+              </a:rPr>
+              <a:t>https://tidyr.tidyverse.org/ </a:t>
+            </a:r>
+            <a:endParaRPr lang="en-US" dirty="0"/>
+          </a:p>
+          <a:p>
+            <a:pPr lvl="1"/>
+            <a:r>
+              <a:rPr lang="en-US" dirty="0" err="1"/>
+              <a:t>dplyr</a:t>
+            </a:r>
+            <a:r>
+              <a:rPr lang="en-US" dirty="0"/>
+              <a:t> – </a:t>
+            </a:r>
+            <a:r>
+              <a:rPr lang="en-US" dirty="0">
+                <a:hlinkClick r:id="rId5"/>
+              </a:rPr>
+              <a:t>https://dplyr.tidyverse.org/</a:t>
+            </a:r>
+            <a:endParaRPr lang="en-US" dirty="0"/>
+          </a:p>
+          <a:p>
+            <a:pPr lvl="1"/>
+            <a:r>
+              <a:rPr lang="en-US" dirty="0" err="1"/>
+              <a:t>data.table</a:t>
+            </a:r>
+            <a:r>
+              <a:rPr lang="en-US" dirty="0"/>
+              <a:t> – </a:t>
+            </a:r>
+            <a:r>
+              <a:rPr lang="en-US" dirty="0">
+                <a:hlinkClick r:id="rId6"/>
+              </a:rPr>
+              <a:t>https://rdatatable.gitlab.io/data.table/</a:t>
+            </a:r>
+            <a:endParaRPr lang="en-US" dirty="0"/>
+          </a:p>
+          <a:p>
+            <a:pPr lvl="1"/>
+            <a:endParaRPr lang="en-US" dirty="0"/>
+          </a:p>
+          <a:p>
+            <a:r>
+              <a:rPr lang="en-US" dirty="0"/>
+              <a:t>Data visualization</a:t>
+            </a:r>
+          </a:p>
+          <a:p>
+            <a:pPr lvl="1"/>
+            <a:r>
+              <a:rPr lang="en-US" dirty="0"/>
+              <a:t>ggplot2 – </a:t>
+            </a:r>
+            <a:r>
+              <a:rPr lang="en-US" dirty="0">
+                <a:hlinkClick r:id="rId7"/>
+              </a:rPr>
+              <a:t>https://ggplot2.tidyverse.org/</a:t>
+            </a:r>
+            <a:endParaRPr lang="en-US" dirty="0"/>
+          </a:p>
+          <a:p>
+            <a:pPr marL="216000" lvl="1" indent="0">
+              <a:buNone/>
+            </a:pPr>
+            <a:endParaRPr lang="en-US" dirty="0"/>
+          </a:p>
+          <a:p>
+            <a:r>
+              <a:rPr lang="en-US" dirty="0"/>
+              <a:t>Data analysis (see Vignettes)</a:t>
+            </a:r>
+          </a:p>
+          <a:p>
+            <a:pPr lvl="1"/>
+            <a:r>
+              <a:rPr lang="en-US" dirty="0" err="1"/>
+              <a:t>lmerTest</a:t>
+            </a:r>
+            <a:r>
+              <a:rPr lang="en-US" dirty="0"/>
+              <a:t> – </a:t>
+            </a:r>
+            <a:r>
+              <a:rPr lang="en-US" dirty="0">
+                <a:hlinkClick r:id="rId8"/>
+              </a:rPr>
+              <a:t>https://cran.r-project.org/web/packages/lmerTest/</a:t>
+            </a:r>
+            <a:endParaRPr lang="en-US" dirty="0"/>
+          </a:p>
+          <a:p>
+            <a:pPr lvl="1"/>
+            <a:r>
+              <a:rPr lang="en-US" dirty="0" err="1"/>
+              <a:t>emmeans</a:t>
+            </a:r>
+            <a:r>
+              <a:rPr lang="en-US" dirty="0"/>
+              <a:t> – </a:t>
+            </a:r>
+            <a:r>
+              <a:rPr lang="en-US" dirty="0">
+                <a:hlinkClick r:id="rId9"/>
+              </a:rPr>
+              <a:t>https://cran.r-project.org/web/packages/emmeans/</a:t>
+            </a:r>
+            <a:endParaRPr lang="en-US" dirty="0"/>
           </a:p>
         </p:txBody>
       </p:sp>
@@ -10304,7 +12548,7 @@
           <p:cNvPr id="4" name="Slide Number Placeholder 3">
             <a:extLst>
               <a:ext uri="{FF2B5EF4-FFF2-40B4-BE49-F238E27FC236}">
-                <a16:creationId xmlns:a16="http://schemas.microsoft.com/office/drawing/2014/main" id="{A4C58462-ECE7-4828-8BEE-1C87965473C5}"/>
+                <a16:creationId xmlns:a16="http://schemas.microsoft.com/office/drawing/2014/main" id="{936A7F67-7586-402C-AB51-A6E2A45F636C}"/>
               </a:ext>
             </a:extLst>
           </p:cNvPr>
@@ -10332,7 +12576,7 @@
     </p:spTree>
     <p:extLst>
       <p:ext uri="{BB962C8B-B14F-4D97-AF65-F5344CB8AC3E}">
-        <p14:creationId xmlns:p14="http://schemas.microsoft.com/office/powerpoint/2010/main" val="981806789"/>
+        <p14:creationId xmlns:p14="http://schemas.microsoft.com/office/powerpoint/2010/main" val="1971705640"/>
       </p:ext>
     </p:extLst>
   </p:cSld>
@@ -11288,11 +13532,11 @@
 </file>
 
 <file path=customXml/item2.xml><?xml version="1.0" encoding="utf-8"?>
-<TemplafyFormConfiguration><![CDATA[{"formFields":[{"required":false,"type":"datePicker","name":"Date","label":"Date","helpTexts":{"prefix":"","postfix":""},"spacing":{},"fullyQualifiedName":"Date"},{"required":false,"placeholder":"","lines":0,"type":"textBox","name":"PresentationTitle","label":"Presentation title","helpTexts":{"prefix":"","postfix":""},"spacing":{},"fullyQualifiedName":"PresentationTitle"}],"formDataEntries":[{"name":"Date","value":"VHGb/aKS5bLLeyNSabD1TA=="},{"name":"PresentationTitle","value":"szVm1VP7wCT0Z6/+RlLQ4Q=="}]}]]></TemplafyFormConfiguration>
+<TemplafySlideFormConfiguration><![CDATA[{"formFields":[],"formDataEntries":[]}]]></TemplafySlideFormConfiguration>
 </file>
 
 <file path=customXml/item3.xml><?xml version="1.0" encoding="utf-8"?>
-<TemplafySlideTemplateConfiguration><![CDATA[{"documentContentValidatorConfiguration":{"enableDocumentContentValidator":false,"documentContentValidatorVersion":0},"elementsMetadata":[],"slideId":"636957680393236694","enableDocumentContentUpdater":true,"version":"1.2"}]]></TemplafySlideTemplateConfiguration>
+<TemplafySlideTemplateConfiguration><![CDATA[{"documentContentValidatorConfiguration":{"enableDocumentContentValidator":false,"documentContentValidatorVersion":0},"elementsMetadata":[],"slideId":"636957680393408390","enableDocumentContentUpdater":true,"version":"1.2"}]]></TemplafySlideTemplateConfiguration>
 </file>
 
 <file path=customXml/item4.xml><?xml version="1.0" encoding="utf-8"?>
@@ -11300,11 +13544,11 @@
 </file>
 
 <file path=customXml/item5.xml><?xml version="1.0" encoding="utf-8"?>
-<TemplafySlideTemplateConfiguration><![CDATA[{"documentContentValidatorConfiguration":{"enableDocumentContentValidator":false,"documentContentValidatorVersion":0},"elementsMetadata":[],"slideId":"636957680393408390","enableDocumentContentUpdater":true,"version":"1.2"}]]></TemplafySlideTemplateConfiguration>
+<TemplafySlideFormConfiguration><![CDATA[{"formFields":[],"formDataEntries":[]}]]></TemplafySlideFormConfiguration>
 </file>
 
 <file path=customXml/item6.xml><?xml version="1.0" encoding="utf-8"?>
-<TemplafySlideFormConfiguration><![CDATA[{"formFields":[],"formDataEntries":[]}]]></TemplafySlideFormConfiguration>
+<TemplafySlideTemplateConfiguration><![CDATA[{"documentContentValidatorConfiguration":{"enableDocumentContentValidator":false,"documentContentValidatorVersion":0},"elementsMetadata":[],"slideId":"636957680393236694","enableDocumentContentUpdater":true,"version":"1.2"}]]></TemplafySlideTemplateConfiguration>
 </file>
 
 <file path=customXml/item7.xml><?xml version="1.0" encoding="utf-8"?>
@@ -11312,7 +13556,7 @@
 </file>
 
 <file path=customXml/item8.xml><?xml version="1.0" encoding="utf-8"?>
-<TemplafySlideFormConfiguration><![CDATA[{"formFields":[],"formDataEntries":[]}]]></TemplafySlideFormConfiguration>
+<TemplafyFormConfiguration><![CDATA[{"formFields":[{"required":false,"type":"datePicker","name":"Date","label":"Date","helpTexts":{"prefix":"","postfix":""},"spacing":{},"fullyQualifiedName":"Date"},{"required":false,"placeholder":"","lines":0,"type":"textBox","name":"PresentationTitle","label":"Presentation title","helpTexts":{"prefix":"","postfix":""},"spacing":{},"fullyQualifiedName":"PresentationTitle"}],"formDataEntries":[{"name":"Date","value":"VHGb/aKS5bLLeyNSabD1TA=="},{"name":"PresentationTitle","value":"szVm1VP7wCT0Z6/+RlLQ4Q=="}]}]]></TemplafyFormConfiguration>
 </file>
 
 <file path=customXml/itemProps1.xml><?xml version="1.0" encoding="utf-8"?>
@@ -11322,13 +13566,13 @@
 </file>
 
 <file path=customXml/itemProps2.xml><?xml version="1.0" encoding="utf-8"?>
-<ds:datastoreItem xmlns:ds="http://schemas.openxmlformats.org/officeDocument/2006/customXml" ds:itemID="{43763224-B85A-4B53-A86A-261D26A71C30}">
+<ds:datastoreItem xmlns:ds="http://schemas.openxmlformats.org/officeDocument/2006/customXml" ds:itemID="{1680B9DC-2D51-4402-BB2C-B8DE0C5AC522}">
   <ds:schemaRefs/>
 </ds:datastoreItem>
 </file>
 
 <file path=customXml/itemProps3.xml><?xml version="1.0" encoding="utf-8"?>
-<ds:datastoreItem xmlns:ds="http://schemas.openxmlformats.org/officeDocument/2006/customXml" ds:itemID="{D27AE696-61B6-4B19-9CED-6F2A3F244FE3}">
+<ds:datastoreItem xmlns:ds="http://schemas.openxmlformats.org/officeDocument/2006/customXml" ds:itemID="{6B8AD017-B053-4E30-93B9-B28A44CEC3A4}">
   <ds:schemaRefs/>
 </ds:datastoreItem>
 </file>
@@ -11340,13 +13584,13 @@
 </file>
 
 <file path=customXml/itemProps5.xml><?xml version="1.0" encoding="utf-8"?>
-<ds:datastoreItem xmlns:ds="http://schemas.openxmlformats.org/officeDocument/2006/customXml" ds:itemID="{6B8AD017-B053-4E30-93B9-B28A44CEC3A4}">
+<ds:datastoreItem xmlns:ds="http://schemas.openxmlformats.org/officeDocument/2006/customXml" ds:itemID="{9587AFF5-BFB0-40A3-85CA-ADEED7540807}">
   <ds:schemaRefs/>
 </ds:datastoreItem>
 </file>
 
 <file path=customXml/itemProps6.xml><?xml version="1.0" encoding="utf-8"?>
-<ds:datastoreItem xmlns:ds="http://schemas.openxmlformats.org/officeDocument/2006/customXml" ds:itemID="{1680B9DC-2D51-4402-BB2C-B8DE0C5AC522}">
+<ds:datastoreItem xmlns:ds="http://schemas.openxmlformats.org/officeDocument/2006/customXml" ds:itemID="{D27AE696-61B6-4B19-9CED-6F2A3F244FE3}">
   <ds:schemaRefs/>
 </ds:datastoreItem>
 </file>
@@ -11358,7 +13602,7 @@
 </file>
 
 <file path=customXml/itemProps8.xml><?xml version="1.0" encoding="utf-8"?>
-<ds:datastoreItem xmlns:ds="http://schemas.openxmlformats.org/officeDocument/2006/customXml" ds:itemID="{9587AFF5-BFB0-40A3-85CA-ADEED7540807}">
+<ds:datastoreItem xmlns:ds="http://schemas.openxmlformats.org/officeDocument/2006/customXml" ds:itemID="{43763224-B85A-4B53-A86A-261D26A71C30}">
   <ds:schemaRefs/>
 </ds:datastoreItem>
 </file>
--- a/introR4AuditoryScience.pptx
+++ b/introR4AuditoryScience.pptx
@@ -13532,11 +13532,11 @@
 </file>
 
 <file path=customXml/item2.xml><?xml version="1.0" encoding="utf-8"?>
-<TemplafySlideFormConfiguration><![CDATA[{"formFields":[],"formDataEntries":[]}]]></TemplafySlideFormConfiguration>
+<TemplafySlideTemplateConfiguration><![CDATA[{"documentContentValidatorConfiguration":{"enableDocumentContentValidator":false,"documentContentValidatorVersion":0},"elementsMetadata":[],"slideId":"636957680393236694","enableDocumentContentUpdater":true,"version":"1.2"}]]></TemplafySlideTemplateConfiguration>
 </file>
 
 <file path=customXml/item3.xml><?xml version="1.0" encoding="utf-8"?>
-<TemplafySlideTemplateConfiguration><![CDATA[{"documentContentValidatorConfiguration":{"enableDocumentContentValidator":false,"documentContentValidatorVersion":0},"elementsMetadata":[],"slideId":"636957680393408390","enableDocumentContentUpdater":true,"version":"1.2"}]]></TemplafySlideTemplateConfiguration>
+<TemplafySlideFormConfiguration><![CDATA[{"formFields":[],"formDataEntries":[]}]]></TemplafySlideFormConfiguration>
 </file>
 
 <file path=customXml/item4.xml><?xml version="1.0" encoding="utf-8"?>
@@ -13544,11 +13544,11 @@
 </file>
 
 <file path=customXml/item5.xml><?xml version="1.0" encoding="utf-8"?>
-<TemplafySlideFormConfiguration><![CDATA[{"formFields":[],"formDataEntries":[]}]]></TemplafySlideFormConfiguration>
+<TemplafyFormConfiguration><![CDATA[{"formFields":[{"required":false,"type":"datePicker","name":"Date","label":"Date","helpTexts":{"prefix":"","postfix":""},"spacing":{},"fullyQualifiedName":"Date"},{"required":false,"placeholder":"","lines":0,"type":"textBox","name":"PresentationTitle","label":"Presentation title","helpTexts":{"prefix":"","postfix":""},"spacing":{},"fullyQualifiedName":"PresentationTitle"}],"formDataEntries":[{"name":"Date","value":"VHGb/aKS5bLLeyNSabD1TA=="},{"name":"PresentationTitle","value":"szVm1VP7wCT0Z6/+RlLQ4Q=="}]}]]></TemplafyFormConfiguration>
 </file>
 
 <file path=customXml/item6.xml><?xml version="1.0" encoding="utf-8"?>
-<TemplafySlideTemplateConfiguration><![CDATA[{"documentContentValidatorConfiguration":{"enableDocumentContentValidator":false,"documentContentValidatorVersion":0},"elementsMetadata":[],"slideId":"636957680393236694","enableDocumentContentUpdater":true,"version":"1.2"}]]></TemplafySlideTemplateConfiguration>
+<TemplafySlideTemplateConfiguration><![CDATA[{"documentContentValidatorConfiguration":{"enableDocumentContentValidator":false,"documentContentValidatorVersion":0},"elementsMetadata":[],"slideId":"636957680393408390","enableDocumentContentUpdater":true,"version":"1.2"}]]></TemplafySlideTemplateConfiguration>
 </file>
 
 <file path=customXml/item7.xml><?xml version="1.0" encoding="utf-8"?>
@@ -13556,7 +13556,7 @@
 </file>
 
 <file path=customXml/item8.xml><?xml version="1.0" encoding="utf-8"?>
-<TemplafyFormConfiguration><![CDATA[{"formFields":[{"required":false,"type":"datePicker","name":"Date","label":"Date","helpTexts":{"prefix":"","postfix":""},"spacing":{},"fullyQualifiedName":"Date"},{"required":false,"placeholder":"","lines":0,"type":"textBox","name":"PresentationTitle","label":"Presentation title","helpTexts":{"prefix":"","postfix":""},"spacing":{},"fullyQualifiedName":"PresentationTitle"}],"formDataEntries":[{"name":"Date","value":"VHGb/aKS5bLLeyNSabD1TA=="},{"name":"PresentationTitle","value":"szVm1VP7wCT0Z6/+RlLQ4Q=="}]}]]></TemplafyFormConfiguration>
+<TemplafySlideFormConfiguration><![CDATA[{"formFields":[],"formDataEntries":[]}]]></TemplafySlideFormConfiguration>
 </file>
 
 <file path=customXml/itemProps1.xml><?xml version="1.0" encoding="utf-8"?>
@@ -13566,13 +13566,13 @@
 </file>
 
 <file path=customXml/itemProps2.xml><?xml version="1.0" encoding="utf-8"?>
-<ds:datastoreItem xmlns:ds="http://schemas.openxmlformats.org/officeDocument/2006/customXml" ds:itemID="{1680B9DC-2D51-4402-BB2C-B8DE0C5AC522}">
+<ds:datastoreItem xmlns:ds="http://schemas.openxmlformats.org/officeDocument/2006/customXml" ds:itemID="{D27AE696-61B6-4B19-9CED-6F2A3F244FE3}">
   <ds:schemaRefs/>
 </ds:datastoreItem>
 </file>
 
 <file path=customXml/itemProps3.xml><?xml version="1.0" encoding="utf-8"?>
-<ds:datastoreItem xmlns:ds="http://schemas.openxmlformats.org/officeDocument/2006/customXml" ds:itemID="{6B8AD017-B053-4E30-93B9-B28A44CEC3A4}">
+<ds:datastoreItem xmlns:ds="http://schemas.openxmlformats.org/officeDocument/2006/customXml" ds:itemID="{9587AFF5-BFB0-40A3-85CA-ADEED7540807}">
   <ds:schemaRefs/>
 </ds:datastoreItem>
 </file>
@@ -13584,13 +13584,13 @@
 </file>
 
 <file path=customXml/itemProps5.xml><?xml version="1.0" encoding="utf-8"?>
-<ds:datastoreItem xmlns:ds="http://schemas.openxmlformats.org/officeDocument/2006/customXml" ds:itemID="{9587AFF5-BFB0-40A3-85CA-ADEED7540807}">
+<ds:datastoreItem xmlns:ds="http://schemas.openxmlformats.org/officeDocument/2006/customXml" ds:itemID="{43763224-B85A-4B53-A86A-261D26A71C30}">
   <ds:schemaRefs/>
 </ds:datastoreItem>
 </file>
 
 <file path=customXml/itemProps6.xml><?xml version="1.0" encoding="utf-8"?>
-<ds:datastoreItem xmlns:ds="http://schemas.openxmlformats.org/officeDocument/2006/customXml" ds:itemID="{D27AE696-61B6-4B19-9CED-6F2A3F244FE3}">
+<ds:datastoreItem xmlns:ds="http://schemas.openxmlformats.org/officeDocument/2006/customXml" ds:itemID="{6B8AD017-B053-4E30-93B9-B28A44CEC3A4}">
   <ds:schemaRefs/>
 </ds:datastoreItem>
 </file>
@@ -13602,7 +13602,7 @@
 </file>
 
 <file path=customXml/itemProps8.xml><?xml version="1.0" encoding="utf-8"?>
-<ds:datastoreItem xmlns:ds="http://schemas.openxmlformats.org/officeDocument/2006/customXml" ds:itemID="{43763224-B85A-4B53-A86A-261D26A71C30}">
+<ds:datastoreItem xmlns:ds="http://schemas.openxmlformats.org/officeDocument/2006/customXml" ds:itemID="{1680B9DC-2D51-4402-BB2C-B8DE0C5AC522}">
   <ds:schemaRefs/>
 </ds:datastoreItem>
 </file>
--- a/introR4AuditoryScience.pptx
+++ b/introR4AuditoryScience.pptx
@@ -8241,7 +8241,7 @@
                 <a:latin typeface="+mn-lt"/>
                 <a:ea typeface="ＭＳ Ｐゴシック" pitchFamily="-80" charset="-128"/>
               </a:rPr>
-              <a:t>27 May 2020</a:t>
+              <a:t>08 June 2020</a:t>
             </a:r>
           </a:p>
         </p:txBody>
@@ -13532,27 +13532,27 @@
 </file>
 
 <file path=customXml/item2.xml><?xml version="1.0" encoding="utf-8"?>
+<TemplafySlideTemplateConfiguration><![CDATA[{"documentContentValidatorConfiguration":{"enableDocumentContentValidator":false,"documentContentValidatorVersion":0},"elementsMetadata":[],"slideId":"636957680393408391","enableDocumentContentUpdater":true,"version":"1.2"}]]></TemplafySlideTemplateConfiguration>
+</file>
+
+<file path=customXml/item3.xml><?xml version="1.0" encoding="utf-8"?>
 <TemplafySlideTemplateConfiguration><![CDATA[{"documentContentValidatorConfiguration":{"enableDocumentContentValidator":false,"documentContentValidatorVersion":0},"elementsMetadata":[],"slideId":"636957680393236694","enableDocumentContentUpdater":true,"version":"1.2"}]]></TemplafySlideTemplateConfiguration>
 </file>
 
-<file path=customXml/item3.xml><?xml version="1.0" encoding="utf-8"?>
+<file path=customXml/item4.xml><?xml version="1.0" encoding="utf-8"?>
 <TemplafySlideFormConfiguration><![CDATA[{"formFields":[],"formDataEntries":[]}]]></TemplafySlideFormConfiguration>
 </file>
 
-<file path=customXml/item4.xml><?xml version="1.0" encoding="utf-8"?>
-<TemplafyTemplateConfiguration><![CDATA[{"elementsMetadata":[{"type":"shape","id":"238e85ed-56d9-4209-b9b6-b7c3689037c5","elementConfiguration":{"binding":"UserProfile.Offices.Workarea_{{DocumentLanguage}}","disableUpdates":false,"type":"text"}},{"type":"shape","id":"5b015a88-a4c9-4fa4-8ef1-47ac79f9e425","elementConfiguration":{"format":"{{DateFormats.GeneralDate}}","binding":"Form.Date","disableUpdates":false,"type":"date"}},{"type":"shape","id":"1ba720e6-1107-4dfa-a983-ea2ed7497a5b","elementConfiguration":{"binding":"Form.PresentationTitle","disableUpdates":false,"type":"text"}}],"transformationConfigurations":[{"language":"{{DocumentLanguage}}","disableUpdates":false,"type":"proofingLanguage"}],"templateName":"DTU Template 16_9 - Corporate red","templateDescription":"","enableDocumentContentUpdater":true,"version":"1.2"}]]></TemplafyTemplateConfiguration>
+<file path=customXml/item5.xml><?xml version="1.0" encoding="utf-8"?>
+<TemplafySlideTemplateConfiguration><![CDATA[{"documentContentValidatorConfiguration":{"enableDocumentContentValidator":false,"documentContentValidatorVersion":0},"elementsMetadata":[],"slideId":"636957680393408390","enableDocumentContentUpdater":true,"version":"1.2"}]]></TemplafySlideTemplateConfiguration>
 </file>
 
-<file path=customXml/item5.xml><?xml version="1.0" encoding="utf-8"?>
+<file path=customXml/item6.xml><?xml version="1.0" encoding="utf-8"?>
 <TemplafyFormConfiguration><![CDATA[{"formFields":[{"required":false,"type":"datePicker","name":"Date","label":"Date","helpTexts":{"prefix":"","postfix":""},"spacing":{},"fullyQualifiedName":"Date"},{"required":false,"placeholder":"","lines":0,"type":"textBox","name":"PresentationTitle","label":"Presentation title","helpTexts":{"prefix":"","postfix":""},"spacing":{},"fullyQualifiedName":"PresentationTitle"}],"formDataEntries":[{"name":"Date","value":"VHGb/aKS5bLLeyNSabD1TA=="},{"name":"PresentationTitle","value":"szVm1VP7wCT0Z6/+RlLQ4Q=="}]}]]></TemplafyFormConfiguration>
 </file>
 
-<file path=customXml/item6.xml><?xml version="1.0" encoding="utf-8"?>
-<TemplafySlideTemplateConfiguration><![CDATA[{"documentContentValidatorConfiguration":{"enableDocumentContentValidator":false,"documentContentValidatorVersion":0},"elementsMetadata":[],"slideId":"636957680393408390","enableDocumentContentUpdater":true,"version":"1.2"}]]></TemplafySlideTemplateConfiguration>
-</file>
-
 <file path=customXml/item7.xml><?xml version="1.0" encoding="utf-8"?>
-<TemplafySlideTemplateConfiguration><![CDATA[{"documentContentValidatorConfiguration":{"enableDocumentContentValidator":false,"documentContentValidatorVersion":0},"elementsMetadata":[],"slideId":"636957680393408391","enableDocumentContentUpdater":true,"version":"1.2"}]]></TemplafySlideTemplateConfiguration>
+<TemplafyTemplateConfiguration><![CDATA[{"elementsMetadata":[{"type":"shape","id":"238e85ed-56d9-4209-b9b6-b7c3689037c5","elementConfiguration":{"binding":"UserProfile.Offices.Workarea_{{DocumentLanguage}}","disableUpdates":false,"type":"text"}},{"type":"shape","id":"5b015a88-a4c9-4fa4-8ef1-47ac79f9e425","elementConfiguration":{"format":"{{DateFormats.GeneralDate}}","binding":"Form.Date","disableUpdates":false,"type":"date"}},{"type":"shape","id":"1ba720e6-1107-4dfa-a983-ea2ed7497a5b","elementConfiguration":{"binding":"Form.PresentationTitle","disableUpdates":false,"type":"text"}}],"transformationConfigurations":[{"language":"{{DocumentLanguage}}","disableUpdates":false,"type":"proofingLanguage"}],"templateName":"DTU Template 16_9 - Corporate red","templateDescription":"","enableDocumentContentUpdater":true,"version":"1.2"}]]></TemplafyTemplateConfiguration>
 </file>
 
 <file path=customXml/item8.xml><?xml version="1.0" encoding="utf-8"?>
@@ -13560,43 +13560,43 @@
 </file>
 
 <file path=customXml/itemProps1.xml><?xml version="1.0" encoding="utf-8"?>
+<ds:datastoreItem xmlns:ds="http://schemas.openxmlformats.org/officeDocument/2006/customXml" ds:itemID="{9587AFF5-BFB0-40A3-85CA-ADEED7540807}">
+  <ds:schemaRefs/>
+</ds:datastoreItem>
+</file>
+
+<file path=customXml/itemProps2.xml><?xml version="1.0" encoding="utf-8"?>
+<ds:datastoreItem xmlns:ds="http://schemas.openxmlformats.org/officeDocument/2006/customXml" ds:itemID="{CA9FC985-930B-40D4-827F-9FAC5D35EA8C}">
+  <ds:schemaRefs/>
+</ds:datastoreItem>
+</file>
+
+<file path=customXml/itemProps3.xml><?xml version="1.0" encoding="utf-8"?>
+<ds:datastoreItem xmlns:ds="http://schemas.openxmlformats.org/officeDocument/2006/customXml" ds:itemID="{D27AE696-61B6-4B19-9CED-6F2A3F244FE3}">
+  <ds:schemaRefs/>
+</ds:datastoreItem>
+</file>
+
+<file path=customXml/itemProps4.xml><?xml version="1.0" encoding="utf-8"?>
 <ds:datastoreItem xmlns:ds="http://schemas.openxmlformats.org/officeDocument/2006/customXml" ds:itemID="{5DEE4BEE-00BA-4E32-BD26-AF535B50AC95}">
   <ds:schemaRefs/>
 </ds:datastoreItem>
 </file>
 
-<file path=customXml/itemProps2.xml><?xml version="1.0" encoding="utf-8"?>
-<ds:datastoreItem xmlns:ds="http://schemas.openxmlformats.org/officeDocument/2006/customXml" ds:itemID="{D27AE696-61B6-4B19-9CED-6F2A3F244FE3}">
+<file path=customXml/itemProps5.xml><?xml version="1.0" encoding="utf-8"?>
+<ds:datastoreItem xmlns:ds="http://schemas.openxmlformats.org/officeDocument/2006/customXml" ds:itemID="{6B8AD017-B053-4E30-93B9-B28A44CEC3A4}">
   <ds:schemaRefs/>
 </ds:datastoreItem>
 </file>
 
-<file path=customXml/itemProps3.xml><?xml version="1.0" encoding="utf-8"?>
-<ds:datastoreItem xmlns:ds="http://schemas.openxmlformats.org/officeDocument/2006/customXml" ds:itemID="{9587AFF5-BFB0-40A3-85CA-ADEED7540807}">
-  <ds:schemaRefs/>
-</ds:datastoreItem>
-</file>
-
-<file path=customXml/itemProps4.xml><?xml version="1.0" encoding="utf-8"?>
-<ds:datastoreItem xmlns:ds="http://schemas.openxmlformats.org/officeDocument/2006/customXml" ds:itemID="{1334258C-C3E7-4029-A615-C886A240FB15}">
-  <ds:schemaRefs/>
-</ds:datastoreItem>
-</file>
-
-<file path=customXml/itemProps5.xml><?xml version="1.0" encoding="utf-8"?>
+<file path=customXml/itemProps6.xml><?xml version="1.0" encoding="utf-8"?>
 <ds:datastoreItem xmlns:ds="http://schemas.openxmlformats.org/officeDocument/2006/customXml" ds:itemID="{43763224-B85A-4B53-A86A-261D26A71C30}">
   <ds:schemaRefs/>
 </ds:datastoreItem>
 </file>
 
-<file path=customXml/itemProps6.xml><?xml version="1.0" encoding="utf-8"?>
-<ds:datastoreItem xmlns:ds="http://schemas.openxmlformats.org/officeDocument/2006/customXml" ds:itemID="{6B8AD017-B053-4E30-93B9-B28A44CEC3A4}">
-  <ds:schemaRefs/>
-</ds:datastoreItem>
-</file>
-
 <file path=customXml/itemProps7.xml><?xml version="1.0" encoding="utf-8"?>
-<ds:datastoreItem xmlns:ds="http://schemas.openxmlformats.org/officeDocument/2006/customXml" ds:itemID="{CA9FC985-930B-40D4-827F-9FAC5D35EA8C}">
+<ds:datastoreItem xmlns:ds="http://schemas.openxmlformats.org/officeDocument/2006/customXml" ds:itemID="{1334258C-C3E7-4029-A615-C886A240FB15}">
   <ds:schemaRefs/>
 </ds:datastoreItem>
 </file>
